--- a/LABS/LAB03/LAB03_Input.pptx
+++ b/LABS/LAB03/LAB03_Input.pptx
@@ -5,15 +5,16 @@
     <p:sldMasterId id="2147483697" r:id="rId1"/>
   </p:sldMasterIdLst>
   <p:notesMasterIdLst>
-    <p:notesMasterId r:id="rId8"/>
+    <p:notesMasterId r:id="rId9"/>
   </p:notesMasterIdLst>
   <p:sldIdLst>
     <p:sldId id="256" r:id="rId2"/>
     <p:sldId id="280" r:id="rId3"/>
-    <p:sldId id="274" r:id="rId4"/>
-    <p:sldId id="275" r:id="rId5"/>
-    <p:sldId id="282" r:id="rId6"/>
-    <p:sldId id="277" r:id="rId7"/>
+    <p:sldId id="283" r:id="rId4"/>
+    <p:sldId id="274" r:id="rId5"/>
+    <p:sldId id="275" r:id="rId6"/>
+    <p:sldId id="282" r:id="rId7"/>
+    <p:sldId id="277" r:id="rId8"/>
   </p:sldIdLst>
   <p:sldSz cx="9144000" cy="6858000" type="screen4x3"/>
   <p:notesSz cx="6858000" cy="9144000"/>
@@ -1609,7 +1610,7 @@
     </p:spTree>
     <p:extLst>
       <p:ext uri="{BB962C8B-B14F-4D97-AF65-F5344CB8AC3E}">
-        <p14:creationId xmlns:p14="http://schemas.microsoft.com/office/powerpoint/2010/main" val="3145539491"/>
+        <p14:creationId xmlns:p14="http://schemas.microsoft.com/office/powerpoint/2010/main" val="153959774"/>
       </p:ext>
     </p:extLst>
   </p:cSld>
@@ -1715,7 +1716,7 @@
     </p:spTree>
     <p:extLst>
       <p:ext uri="{BB962C8B-B14F-4D97-AF65-F5344CB8AC3E}">
-        <p14:creationId xmlns:p14="http://schemas.microsoft.com/office/powerpoint/2010/main" val="2726447059"/>
+        <p14:creationId xmlns:p14="http://schemas.microsoft.com/office/powerpoint/2010/main" val="3145539491"/>
       </p:ext>
     </p:extLst>
   </p:cSld>
@@ -1821,7 +1822,7 @@
     </p:spTree>
     <p:extLst>
       <p:ext uri="{BB962C8B-B14F-4D97-AF65-F5344CB8AC3E}">
-        <p14:creationId xmlns:p14="http://schemas.microsoft.com/office/powerpoint/2010/main" val="2301940050"/>
+        <p14:creationId xmlns:p14="http://schemas.microsoft.com/office/powerpoint/2010/main" val="2726447059"/>
       </p:ext>
     </p:extLst>
   </p:cSld>
@@ -1927,6 +1928,112 @@
     </p:spTree>
     <p:extLst>
       <p:ext uri="{BB962C8B-B14F-4D97-AF65-F5344CB8AC3E}">
+        <p14:creationId xmlns:p14="http://schemas.microsoft.com/office/powerpoint/2010/main" val="2301940050"/>
+      </p:ext>
+    </p:extLst>
+  </p:cSld>
+  <p:clrMapOvr>
+    <a:masterClrMapping/>
+  </p:clrMapOvr>
+</p:notes>
+</file>
+
+<file path=ppt/notesSlides/notesSlide7.xml><?xml version="1.0" encoding="utf-8"?>
+<p:notes xmlns:a="http://schemas.openxmlformats.org/drawingml/2006/main" xmlns:r="http://schemas.openxmlformats.org/officeDocument/2006/relationships" xmlns:p="http://schemas.openxmlformats.org/presentationml/2006/main" showMasterSp="0" showMasterPhAnim="0">
+  <p:cSld>
+    <p:spTree>
+      <p:nvGrpSpPr>
+        <p:cNvPr id="1" name="Shape 125"/>
+        <p:cNvGrpSpPr/>
+        <p:nvPr/>
+      </p:nvGrpSpPr>
+      <p:grpSpPr>
+        <a:xfrm>
+          <a:off x="0" y="0"/>
+          <a:ext cx="0" cy="0"/>
+          <a:chOff x="0" y="0"/>
+          <a:chExt cx="0" cy="0"/>
+        </a:xfrm>
+      </p:grpSpPr>
+      <p:sp>
+        <p:nvSpPr>
+          <p:cNvPr id="126" name="Shape 126"/>
+          <p:cNvSpPr txBox="1">
+            <a:spLocks noGrp="1"/>
+          </p:cNvSpPr>
+          <p:nvPr>
+            <p:ph type="body" idx="1"/>
+          </p:nvPr>
+        </p:nvSpPr>
+        <p:spPr>
+          <a:xfrm>
+            <a:off x="685800" y="4343400"/>
+            <a:ext cx="5486399" cy="4114800"/>
+          </a:xfrm>
+          <a:prstGeom prst="rect">
+            <a:avLst/>
+          </a:prstGeom>
+        </p:spPr>
+        <p:txBody>
+          <a:bodyPr lIns="91425" tIns="91425" rIns="91425" bIns="91425" anchor="t" anchorCtr="0">
+            <a:noAutofit/>
+          </a:bodyPr>
+          <a:lstStyle/>
+          <a:p>
+            <a:pPr lvl="0">
+              <a:spcBef>
+                <a:spcPts val="0"/>
+              </a:spcBef>
+              <a:buNone/>
+            </a:pPr>
+            <a:endParaRPr/>
+          </a:p>
+        </p:txBody>
+      </p:sp>
+      <p:sp>
+        <p:nvSpPr>
+          <p:cNvPr id="127" name="Shape 127"/>
+          <p:cNvSpPr>
+            <a:spLocks noGrp="1" noRot="1" noChangeAspect="1"/>
+          </p:cNvSpPr>
+          <p:nvPr>
+            <p:ph type="sldImg" idx="2"/>
+          </p:nvPr>
+        </p:nvSpPr>
+        <p:spPr>
+          <a:xfrm>
+            <a:off x="1143000" y="685800"/>
+            <a:ext cx="4572000" cy="3429000"/>
+          </a:xfrm>
+          <a:custGeom>
+            <a:avLst/>
+            <a:gdLst/>
+            <a:ahLst/>
+            <a:cxnLst/>
+            <a:rect l="0" t="0" r="0" b="0"/>
+            <a:pathLst>
+              <a:path w="120000" h="120000" extrusionOk="0">
+                <a:moveTo>
+                  <a:pt x="0" y="0"/>
+                </a:moveTo>
+                <a:lnTo>
+                  <a:pt x="120000" y="0"/>
+                </a:lnTo>
+                <a:lnTo>
+                  <a:pt x="120000" y="120000"/>
+                </a:lnTo>
+                <a:lnTo>
+                  <a:pt x="0" y="120000"/>
+                </a:lnTo>
+                <a:close/>
+              </a:path>
+            </a:pathLst>
+          </a:custGeom>
+        </p:spPr>
+      </p:sp>
+    </p:spTree>
+    <p:extLst>
+      <p:ext uri="{BB962C8B-B14F-4D97-AF65-F5344CB8AC3E}">
         <p14:creationId xmlns:p14="http://schemas.microsoft.com/office/powerpoint/2010/main" val="251465724"/>
       </p:ext>
     </p:extLst>
@@ -1981,7 +2088,7 @@
           </a:lstStyle>
           <a:p>
             <a:r>
-              <a:rPr lang="en-US" smtClean="0"/>
+              <a:rPr lang="en-US"/>
               <a:t>Click to edit Master title style</a:t>
             </a:r>
             <a:endParaRPr lang="en-US" dirty="0"/>
@@ -2101,7 +2208,7 @@
           </a:lstStyle>
           <a:p>
             <a:r>
-              <a:rPr lang="en-US" smtClean="0"/>
+              <a:rPr lang="en-US"/>
               <a:t>Click to edit Master subtitle style</a:t>
             </a:r>
             <a:endParaRPr lang="en-US" dirty="0"/>
@@ -2330,7 +2437,7 @@
           </a:lstStyle>
           <a:p>
             <a:r>
-              <a:rPr lang="en-US" smtClean="0"/>
+              <a:rPr lang="en-US"/>
               <a:t>Click to edit Master title style</a:t>
             </a:r>
             <a:endParaRPr lang="en-US" dirty="0"/>
@@ -2453,7 +2560,7 @@
           <a:p>
             <a:pPr lvl="0"/>
             <a:r>
-              <a:rPr lang="en-US" smtClean="0"/>
+              <a:rPr lang="en-US"/>
               <a:t>Click to edit Master text styles</a:t>
             </a:r>
           </a:p>
@@ -2686,7 +2793,7 @@
           </a:lstStyle>
           <a:p>
             <a:r>
-              <a:rPr lang="en-US" smtClean="0"/>
+              <a:rPr lang="en-US"/>
               <a:t>Click to edit Master title style</a:t>
             </a:r>
             <a:endParaRPr lang="en-US" dirty="0"/>
@@ -2750,7 +2857,7 @@
           <a:p>
             <a:pPr lvl="0"/>
             <a:r>
-              <a:rPr lang="en-US" smtClean="0"/>
+              <a:rPr lang="en-US"/>
               <a:t>Click to edit Master text styles</a:t>
             </a:r>
           </a:p>
@@ -2872,7 +2979,7 @@
           <a:p>
             <a:pPr lvl="0"/>
             <a:r>
-              <a:rPr lang="en-US" smtClean="0"/>
+              <a:rPr lang="en-US"/>
               <a:t>Click to edit Master text styles</a:t>
             </a:r>
           </a:p>
@@ -3181,7 +3288,7 @@
           </a:lstStyle>
           <a:p>
             <a:r>
-              <a:rPr lang="en-US" smtClean="0"/>
+              <a:rPr lang="en-US"/>
               <a:t>Click to edit Master title style</a:t>
             </a:r>
             <a:endParaRPr lang="en-US" dirty="0"/>
@@ -3226,7 +3333,7 @@
               <a:buNone/>
             </a:pPr>
             <a:r>
-              <a:rPr lang="en-US" smtClean="0"/>
+              <a:rPr lang="en-US"/>
               <a:t>Click to edit Master text styles</a:t>
             </a:r>
           </a:p>
@@ -3459,7 +3566,7 @@
           </a:lstStyle>
           <a:p>
             <a:r>
-              <a:rPr lang="en-US" smtClean="0"/>
+              <a:rPr lang="en-US"/>
               <a:t>Click to edit Master title style</a:t>
             </a:r>
             <a:endParaRPr lang="en-US" dirty="0"/>
@@ -3520,7 +3627,7 @@
           <a:p>
             <a:pPr lvl="0"/>
             <a:r>
-              <a:rPr lang="en-US" smtClean="0"/>
+              <a:rPr lang="en-US"/>
               <a:t>Click to edit Master text styles</a:t>
             </a:r>
           </a:p>
@@ -3564,7 +3671,7 @@
               <a:buNone/>
             </a:pPr>
             <a:r>
-              <a:rPr lang="en-US" smtClean="0"/>
+              <a:rPr lang="en-US"/>
               <a:t>Click to edit Master text styles</a:t>
             </a:r>
           </a:p>
@@ -3873,7 +3980,7 @@
           </a:lstStyle>
           <a:p>
             <a:r>
-              <a:rPr lang="en-US" smtClean="0"/>
+              <a:rPr lang="en-US"/>
               <a:t>Click to edit Master title style</a:t>
             </a:r>
             <a:endParaRPr lang="en-US" dirty="0"/>
@@ -3934,7 +4041,7 @@
           <a:p>
             <a:pPr lvl="0"/>
             <a:r>
-              <a:rPr lang="en-US" smtClean="0"/>
+              <a:rPr lang="en-US"/>
               <a:t>Click to edit Master text styles</a:t>
             </a:r>
           </a:p>
@@ -3978,7 +4085,7 @@
               <a:buNone/>
             </a:pPr>
             <a:r>
-              <a:rPr lang="en-US" smtClean="0"/>
+              <a:rPr lang="en-US"/>
               <a:t>Click to edit Master text styles</a:t>
             </a:r>
           </a:p>
@@ -4200,7 +4307,7 @@
           <a:lstStyle/>
           <a:p>
             <a:r>
-              <a:rPr lang="en-US" smtClean="0"/>
+              <a:rPr lang="en-US"/>
               <a:t>Click to edit Master title style</a:t>
             </a:r>
             <a:endParaRPr lang="en-US" dirty="0"/>
@@ -4224,35 +4331,35 @@
           <a:p>
             <a:pPr lvl="0"/>
             <a:r>
-              <a:rPr lang="en-US" smtClean="0"/>
+              <a:rPr lang="en-US"/>
               <a:t>Click to edit Master text styles</a:t>
             </a:r>
           </a:p>
           <a:p>
             <a:pPr lvl="1"/>
             <a:r>
-              <a:rPr lang="en-US" smtClean="0"/>
+              <a:rPr lang="en-US"/>
               <a:t>Second level</a:t>
             </a:r>
           </a:p>
           <a:p>
             <a:pPr lvl="2"/>
             <a:r>
-              <a:rPr lang="en-US" smtClean="0"/>
+              <a:rPr lang="en-US"/>
               <a:t>Third level</a:t>
             </a:r>
           </a:p>
           <a:p>
             <a:pPr lvl="3"/>
             <a:r>
-              <a:rPr lang="en-US" smtClean="0"/>
+              <a:rPr lang="en-US"/>
               <a:t>Fourth level</a:t>
             </a:r>
           </a:p>
           <a:p>
             <a:pPr lvl="4"/>
             <a:r>
-              <a:rPr lang="en-US" smtClean="0"/>
+              <a:rPr lang="en-US"/>
               <a:t>Fifth level</a:t>
             </a:r>
             <a:endParaRPr lang="en-US" dirty="0"/>
@@ -4474,7 +4581,7 @@
           <a:lstStyle/>
           <a:p>
             <a:r>
-              <a:rPr lang="en-US" smtClean="0"/>
+              <a:rPr lang="en-US"/>
               <a:t>Click to edit Master title style</a:t>
             </a:r>
             <a:endParaRPr lang="en-US" dirty="0"/>
@@ -4503,35 +4610,35 @@
           <a:p>
             <a:pPr lvl="0"/>
             <a:r>
-              <a:rPr lang="en-US" smtClean="0"/>
+              <a:rPr lang="en-US"/>
               <a:t>Click to edit Master text styles</a:t>
             </a:r>
           </a:p>
           <a:p>
             <a:pPr lvl="1"/>
             <a:r>
-              <a:rPr lang="en-US" smtClean="0"/>
+              <a:rPr lang="en-US"/>
               <a:t>Second level</a:t>
             </a:r>
           </a:p>
           <a:p>
             <a:pPr lvl="2"/>
             <a:r>
-              <a:rPr lang="en-US" smtClean="0"/>
+              <a:rPr lang="en-US"/>
               <a:t>Third level</a:t>
             </a:r>
           </a:p>
           <a:p>
             <a:pPr lvl="3"/>
             <a:r>
-              <a:rPr lang="en-US" smtClean="0"/>
+              <a:rPr lang="en-US"/>
               <a:t>Fourth level</a:t>
             </a:r>
           </a:p>
           <a:p>
             <a:pPr lvl="4"/>
             <a:r>
-              <a:rPr lang="en-US" smtClean="0"/>
+              <a:rPr lang="en-US"/>
               <a:t>Fifth level</a:t>
             </a:r>
             <a:endParaRPr lang="en-US" dirty="0"/>
@@ -5313,7 +5420,7 @@
           <a:lstStyle/>
           <a:p>
             <a:r>
-              <a:rPr lang="en-US" smtClean="0"/>
+              <a:rPr lang="en-US"/>
               <a:t>Click to edit Master title style</a:t>
             </a:r>
             <a:endParaRPr lang="en-US" dirty="0"/>
@@ -5342,35 +5449,35 @@
           <a:p>
             <a:pPr lvl="0"/>
             <a:r>
-              <a:rPr lang="en-US" smtClean="0"/>
+              <a:rPr lang="en-US"/>
               <a:t>Click to edit Master text styles</a:t>
             </a:r>
           </a:p>
           <a:p>
             <a:pPr lvl="1"/>
             <a:r>
-              <a:rPr lang="en-US" smtClean="0"/>
+              <a:rPr lang="en-US"/>
               <a:t>Second level</a:t>
             </a:r>
           </a:p>
           <a:p>
             <a:pPr lvl="2"/>
             <a:r>
-              <a:rPr lang="en-US" smtClean="0"/>
+              <a:rPr lang="en-US"/>
               <a:t>Third level</a:t>
             </a:r>
           </a:p>
           <a:p>
             <a:pPr lvl="3"/>
             <a:r>
-              <a:rPr lang="en-US" smtClean="0"/>
+              <a:rPr lang="en-US"/>
               <a:t>Fourth level</a:t>
             </a:r>
           </a:p>
           <a:p>
             <a:pPr lvl="4"/>
             <a:r>
-              <a:rPr lang="en-US" smtClean="0"/>
+              <a:rPr lang="en-US"/>
               <a:t>Fifth level</a:t>
             </a:r>
             <a:endParaRPr lang="en-US" dirty="0"/>
@@ -5597,7 +5704,7 @@
           </a:lstStyle>
           <a:p>
             <a:r>
-              <a:rPr lang="en-US" smtClean="0"/>
+              <a:rPr lang="en-US"/>
               <a:t>Click to edit Master title style</a:t>
             </a:r>
             <a:endParaRPr lang="en-US" dirty="0"/>
@@ -5718,7 +5825,7 @@
           <a:p>
             <a:pPr lvl="0"/>
             <a:r>
-              <a:rPr lang="en-US" smtClean="0"/>
+              <a:rPr lang="en-US"/>
               <a:t>Click to edit Master text styles</a:t>
             </a:r>
           </a:p>
@@ -5939,7 +6046,7 @@
           <a:lstStyle/>
           <a:p>
             <a:r>
-              <a:rPr lang="en-US" smtClean="0"/>
+              <a:rPr lang="en-US"/>
               <a:t>Click to edit Master title style</a:t>
             </a:r>
             <a:endParaRPr lang="en-US" dirty="0"/>
@@ -5970,35 +6077,35 @@
           <a:p>
             <a:pPr lvl="0"/>
             <a:r>
-              <a:rPr lang="en-US" smtClean="0"/>
+              <a:rPr lang="en-US"/>
               <a:t>Click to edit Master text styles</a:t>
             </a:r>
           </a:p>
           <a:p>
             <a:pPr lvl="1"/>
             <a:r>
-              <a:rPr lang="en-US" smtClean="0"/>
+              <a:rPr lang="en-US"/>
               <a:t>Second level</a:t>
             </a:r>
           </a:p>
           <a:p>
             <a:pPr lvl="2"/>
             <a:r>
-              <a:rPr lang="en-US" smtClean="0"/>
+              <a:rPr lang="en-US"/>
               <a:t>Third level</a:t>
             </a:r>
           </a:p>
           <a:p>
             <a:pPr lvl="3"/>
             <a:r>
-              <a:rPr lang="en-US" smtClean="0"/>
+              <a:rPr lang="en-US"/>
               <a:t>Fourth level</a:t>
             </a:r>
           </a:p>
           <a:p>
             <a:pPr lvl="4"/>
             <a:r>
-              <a:rPr lang="en-US" smtClean="0"/>
+              <a:rPr lang="en-US"/>
               <a:t>Fifth level</a:t>
             </a:r>
             <a:endParaRPr lang="en-US" dirty="0"/>
@@ -6029,35 +6136,35 @@
           <a:p>
             <a:pPr lvl="0"/>
             <a:r>
-              <a:rPr lang="en-US" smtClean="0"/>
+              <a:rPr lang="en-US"/>
               <a:t>Click to edit Master text styles</a:t>
             </a:r>
           </a:p>
           <a:p>
             <a:pPr lvl="1"/>
             <a:r>
-              <a:rPr lang="en-US" smtClean="0"/>
+              <a:rPr lang="en-US"/>
               <a:t>Second level</a:t>
             </a:r>
           </a:p>
           <a:p>
             <a:pPr lvl="2"/>
             <a:r>
-              <a:rPr lang="en-US" smtClean="0"/>
+              <a:rPr lang="en-US"/>
               <a:t>Third level</a:t>
             </a:r>
           </a:p>
           <a:p>
             <a:pPr lvl="3"/>
             <a:r>
-              <a:rPr lang="en-US" smtClean="0"/>
+              <a:rPr lang="en-US"/>
               <a:t>Fourth level</a:t>
             </a:r>
           </a:p>
           <a:p>
             <a:pPr lvl="4"/>
             <a:r>
-              <a:rPr lang="en-US" smtClean="0"/>
+              <a:rPr lang="en-US"/>
               <a:t>Fifth level</a:t>
             </a:r>
             <a:endParaRPr lang="en-US" dirty="0"/>
@@ -6279,7 +6386,7 @@
           <a:lstStyle/>
           <a:p>
             <a:r>
-              <a:rPr lang="en-US" smtClean="0"/>
+              <a:rPr lang="en-US"/>
               <a:t>Click to edit Master title style</a:t>
             </a:r>
             <a:endParaRPr lang="en-US" dirty="0"/>
@@ -6347,7 +6454,7 @@
           <a:p>
             <a:pPr lvl="0"/>
             <a:r>
-              <a:rPr lang="en-US" smtClean="0"/>
+              <a:rPr lang="en-US"/>
               <a:t>Click to edit Master text styles</a:t>
             </a:r>
           </a:p>
@@ -6377,35 +6484,35 @@
           <a:p>
             <a:pPr lvl="0"/>
             <a:r>
-              <a:rPr lang="en-US" smtClean="0"/>
+              <a:rPr lang="en-US"/>
               <a:t>Click to edit Master text styles</a:t>
             </a:r>
           </a:p>
           <a:p>
             <a:pPr lvl="1"/>
             <a:r>
-              <a:rPr lang="en-US" smtClean="0"/>
+              <a:rPr lang="en-US"/>
               <a:t>Second level</a:t>
             </a:r>
           </a:p>
           <a:p>
             <a:pPr lvl="2"/>
             <a:r>
-              <a:rPr lang="en-US" smtClean="0"/>
+              <a:rPr lang="en-US"/>
               <a:t>Third level</a:t>
             </a:r>
           </a:p>
           <a:p>
             <a:pPr lvl="3"/>
             <a:r>
-              <a:rPr lang="en-US" smtClean="0"/>
+              <a:rPr lang="en-US"/>
               <a:t>Fourth level</a:t>
             </a:r>
           </a:p>
           <a:p>
             <a:pPr lvl="4"/>
             <a:r>
-              <a:rPr lang="en-US" smtClean="0"/>
+              <a:rPr lang="en-US"/>
               <a:t>Fifth level</a:t>
             </a:r>
             <a:endParaRPr lang="en-US" dirty="0"/>
@@ -6473,7 +6580,7 @@
           <a:p>
             <a:pPr lvl="0"/>
             <a:r>
-              <a:rPr lang="en-US" smtClean="0"/>
+              <a:rPr lang="en-US"/>
               <a:t>Click to edit Master text styles</a:t>
             </a:r>
           </a:p>
@@ -6503,35 +6610,35 @@
           <a:p>
             <a:pPr lvl="0"/>
             <a:r>
-              <a:rPr lang="en-US" smtClean="0"/>
+              <a:rPr lang="en-US"/>
               <a:t>Click to edit Master text styles</a:t>
             </a:r>
           </a:p>
           <a:p>
             <a:pPr lvl="1"/>
             <a:r>
-              <a:rPr lang="en-US" smtClean="0"/>
+              <a:rPr lang="en-US"/>
               <a:t>Second level</a:t>
             </a:r>
           </a:p>
           <a:p>
             <a:pPr lvl="2"/>
             <a:r>
-              <a:rPr lang="en-US" smtClean="0"/>
+              <a:rPr lang="en-US"/>
               <a:t>Third level</a:t>
             </a:r>
           </a:p>
           <a:p>
             <a:pPr lvl="3"/>
             <a:r>
-              <a:rPr lang="en-US" smtClean="0"/>
+              <a:rPr lang="en-US"/>
               <a:t>Fourth level</a:t>
             </a:r>
           </a:p>
           <a:p>
             <a:pPr lvl="4"/>
             <a:r>
-              <a:rPr lang="en-US" smtClean="0"/>
+              <a:rPr lang="en-US"/>
               <a:t>Fifth level</a:t>
             </a:r>
             <a:endParaRPr lang="en-US" dirty="0"/>
@@ -6758,7 +6865,7 @@
           <a:lstStyle/>
           <a:p>
             <a:r>
-              <a:rPr lang="en-US" smtClean="0"/>
+              <a:rPr lang="en-US"/>
               <a:t>Click to edit Master title style</a:t>
             </a:r>
             <a:endParaRPr lang="en-US" dirty="0"/>
@@ -7178,7 +7285,7 @@
           </a:lstStyle>
           <a:p>
             <a:r>
-              <a:rPr lang="en-US" smtClean="0"/>
+              <a:rPr lang="en-US"/>
               <a:t>Click to edit Master title style</a:t>
             </a:r>
             <a:endParaRPr lang="en-US" dirty="0"/>
@@ -7209,35 +7316,35 @@
           <a:p>
             <a:pPr lvl="0"/>
             <a:r>
-              <a:rPr lang="en-US" smtClean="0"/>
+              <a:rPr lang="en-US"/>
               <a:t>Click to edit Master text styles</a:t>
             </a:r>
           </a:p>
           <a:p>
             <a:pPr lvl="1"/>
             <a:r>
-              <a:rPr lang="en-US" smtClean="0"/>
+              <a:rPr lang="en-US"/>
               <a:t>Second level</a:t>
             </a:r>
           </a:p>
           <a:p>
             <a:pPr lvl="2"/>
             <a:r>
-              <a:rPr lang="en-US" smtClean="0"/>
+              <a:rPr lang="en-US"/>
               <a:t>Third level</a:t>
             </a:r>
           </a:p>
           <a:p>
             <a:pPr lvl="3"/>
             <a:r>
-              <a:rPr lang="en-US" smtClean="0"/>
+              <a:rPr lang="en-US"/>
               <a:t>Fourth level</a:t>
             </a:r>
           </a:p>
           <a:p>
             <a:pPr lvl="4"/>
             <a:r>
-              <a:rPr lang="en-US" smtClean="0"/>
+              <a:rPr lang="en-US"/>
               <a:t>Fifth level</a:t>
             </a:r>
             <a:endParaRPr lang="en-US" dirty="0"/>
@@ -7303,7 +7410,7 @@
           <a:p>
             <a:pPr lvl="0"/>
             <a:r>
-              <a:rPr lang="en-US" smtClean="0"/>
+              <a:rPr lang="en-US"/>
               <a:t>Click to edit Master text styles</a:t>
             </a:r>
           </a:p>
@@ -7530,7 +7637,7 @@
           </a:lstStyle>
           <a:p>
             <a:r>
-              <a:rPr lang="en-US" smtClean="0"/>
+              <a:rPr lang="en-US"/>
               <a:t>Click to edit Master title style</a:t>
             </a:r>
             <a:endParaRPr lang="en-US" dirty="0"/>
@@ -7597,7 +7704,7 @@
           </a:lstStyle>
           <a:p>
             <a:r>
-              <a:rPr lang="en-US" smtClean="0"/>
+              <a:rPr lang="en-US"/>
               <a:t>Click icon to add picture</a:t>
             </a:r>
             <a:endParaRPr lang="en-US" dirty="0"/>
@@ -7665,7 +7772,7 @@
           <a:p>
             <a:pPr lvl="0"/>
             <a:r>
-              <a:rPr lang="en-US" smtClean="0"/>
+              <a:rPr lang="en-US"/>
               <a:t>Click to edit Master text styles</a:t>
             </a:r>
           </a:p>
@@ -9718,7 +9825,7 @@
           <a:lstStyle/>
           <a:p>
             <a:r>
-              <a:rPr lang="en-US" smtClean="0"/>
+              <a:rPr lang="en-US"/>
               <a:t>Click to edit Master title style</a:t>
             </a:r>
             <a:endParaRPr lang="en-US" dirty="0"/>
@@ -9752,35 +9859,35 @@
           <a:p>
             <a:pPr lvl="0"/>
             <a:r>
-              <a:rPr lang="en-US" smtClean="0"/>
+              <a:rPr lang="en-US"/>
               <a:t>Click to edit Master text styles</a:t>
             </a:r>
           </a:p>
           <a:p>
             <a:pPr lvl="1"/>
             <a:r>
-              <a:rPr lang="en-US" smtClean="0"/>
+              <a:rPr lang="en-US"/>
               <a:t>Second level</a:t>
             </a:r>
           </a:p>
           <a:p>
             <a:pPr lvl="2"/>
             <a:r>
-              <a:rPr lang="en-US" smtClean="0"/>
+              <a:rPr lang="en-US"/>
               <a:t>Third level</a:t>
             </a:r>
           </a:p>
           <a:p>
             <a:pPr lvl="3"/>
             <a:r>
-              <a:rPr lang="en-US" smtClean="0"/>
+              <a:rPr lang="en-US"/>
               <a:t>Fourth level</a:t>
             </a:r>
           </a:p>
           <a:p>
             <a:pPr lvl="4"/>
             <a:r>
-              <a:rPr lang="en-US" smtClean="0"/>
+              <a:rPr lang="en-US"/>
               <a:t>Fifth level</a:t>
             </a:r>
             <a:endParaRPr lang="en-US" dirty="0"/>
@@ -10401,7 +10508,7 @@
               <a:buNone/>
             </a:pPr>
             <a:r>
-              <a:rPr lang="en-US" sz="4400" b="1" i="0" u="none" strike="noStrike" cap="none" dirty="0" smtClean="0">
+              <a:rPr lang="en-US" sz="4400" b="1" i="0" u="none" strike="noStrike" cap="none" dirty="0">
                 <a:solidFill>
                   <a:schemeClr val="tx1"/>
                 </a:solidFill>
@@ -10422,19 +10529,8 @@
               </a:rPr>
               <a:t> </a:t>
             </a:r>
-            <a:r>
-              <a:rPr lang="en-US" sz="4400" b="1" dirty="0" smtClean="0">
-                <a:solidFill>
-                  <a:schemeClr val="tx1"/>
-                </a:solidFill>
-                <a:ea typeface="Arial"/>
-                <a:cs typeface="Arial"/>
-                <a:sym typeface="Arial"/>
-              </a:rPr>
-              <a:t/>
-            </a:r>
             <a:br>
-              <a:rPr lang="en-US" sz="4400" b="1" dirty="0" smtClean="0">
+              <a:rPr lang="en-US" sz="4400" b="1" dirty="0">
                 <a:solidFill>
                   <a:schemeClr val="tx1"/>
                 </a:solidFill>
@@ -10444,7 +10540,7 @@
               </a:rPr>
             </a:br>
             <a:r>
-              <a:rPr lang="en-US" sz="4400" b="1" dirty="0" smtClean="0">
+              <a:rPr lang="en-US" sz="4400" b="1" dirty="0">
                 <a:solidFill>
                   <a:schemeClr val="tx1"/>
                 </a:solidFill>
@@ -10454,14 +10550,6 @@
               </a:rPr>
               <a:t>Part II – Input</a:t>
             </a:r>
-            <a:endParaRPr lang="en-US" sz="4400" b="1" dirty="0">
-              <a:solidFill>
-                <a:schemeClr val="tx1"/>
-              </a:solidFill>
-              <a:ea typeface="Arial"/>
-              <a:cs typeface="Arial"/>
-              <a:sym typeface="Arial"/>
-            </a:endParaRPr>
           </a:p>
         </p:txBody>
       </p:sp>
@@ -10509,18 +10597,7 @@
                 <a:cs typeface="Arial"/>
                 <a:sym typeface="Arial"/>
               </a:rPr>
-              <a:t>AGGP </a:t>
-            </a:r>
-            <a:r>
-              <a:rPr lang="en-US" b="1" dirty="0" smtClean="0">
-                <a:solidFill>
-                  <a:schemeClr val="tx1"/>
-                </a:solidFill>
-                <a:ea typeface="Arial"/>
-                <a:cs typeface="Arial"/>
-                <a:sym typeface="Arial"/>
-              </a:rPr>
-              <a:t>101c</a:t>
+              <a:t>AGGP 101c</a:t>
             </a:r>
           </a:p>
           <a:p>
@@ -10531,7 +10608,7 @@
               <a:buSzPct val="25000"/>
             </a:pPr>
             <a:r>
-              <a:rPr lang="en-US" b="1" dirty="0" smtClean="0">
+              <a:rPr lang="en-US" b="1" dirty="0">
                 <a:solidFill>
                   <a:schemeClr val="tx1"/>
                 </a:solidFill>
@@ -10539,29 +10616,7 @@
                 <a:cs typeface="Arial"/>
                 <a:sym typeface="Arial"/>
               </a:rPr>
-              <a:t>Introduction </a:t>
-            </a:r>
-            <a:r>
-              <a:rPr lang="en-US" b="1" dirty="0">
-                <a:solidFill>
-                  <a:schemeClr val="tx1"/>
-                </a:solidFill>
-                <a:ea typeface="Arial"/>
-                <a:cs typeface="Arial"/>
-                <a:sym typeface="Arial"/>
-              </a:rPr>
-              <a:t>to Game Design </a:t>
-            </a:r>
-            <a:r>
-              <a:rPr lang="en-US" b="1" dirty="0" smtClean="0">
-                <a:solidFill>
-                  <a:schemeClr val="tx1"/>
-                </a:solidFill>
-                <a:ea typeface="Arial"/>
-                <a:cs typeface="Arial"/>
-                <a:sym typeface="Arial"/>
-              </a:rPr>
-              <a:t>and </a:t>
+              <a:t>Introduction to Game Design and </a:t>
             </a:r>
           </a:p>
           <a:p>
@@ -10572,7 +10627,7 @@
               <a:buSzPct val="25000"/>
             </a:pPr>
             <a:r>
-              <a:rPr lang="en-US" b="1" dirty="0" smtClean="0">
+              <a:rPr lang="en-US" b="1" dirty="0">
                 <a:solidFill>
                   <a:schemeClr val="tx1"/>
                 </a:solidFill>
@@ -10580,18 +10635,7 @@
                 <a:cs typeface="Arial"/>
                 <a:sym typeface="Arial"/>
               </a:rPr>
-              <a:t>Creation </a:t>
-            </a:r>
-            <a:r>
-              <a:rPr lang="en-US" b="1" dirty="0">
-                <a:solidFill>
-                  <a:schemeClr val="tx1"/>
-                </a:solidFill>
-                <a:ea typeface="Arial"/>
-                <a:cs typeface="Arial"/>
-                <a:sym typeface="Arial"/>
-              </a:rPr>
-              <a:t>with Programming</a:t>
+              <a:t>Creation with Programming</a:t>
             </a:r>
             <a:endParaRPr lang="en-US" sz="3200" b="0" i="0" u="none" strike="noStrike" cap="none" dirty="0">
               <a:solidFill>
@@ -10609,13 +10653,6 @@
   <p:clrMapOvr>
     <a:masterClrMapping/>
   </p:clrMapOvr>
-  <p:timing>
-    <p:tnLst>
-      <p:par>
-        <p:cTn id="1" dur="indefinite" restart="never" nodeType="tmRoot"/>
-      </p:par>
-    </p:tnLst>
-  </p:timing>
 </p:sld>
 </file>
 
@@ -10665,7 +10702,7 @@
               <a:buSzPct val="25000"/>
             </a:pPr>
             <a:r>
-              <a:rPr lang="en-US" dirty="0" smtClean="0"/>
+              <a:rPr lang="en-US" dirty="0"/>
               <a:t>Input</a:t>
             </a:r>
             <a:endParaRPr lang="en-US" sz="4400" b="0" i="0" u="none" strike="noStrike" cap="none" dirty="0">
@@ -10711,7 +10748,7 @@
           <a:p>
             <a:pPr lvl="0" indent="-457200"/>
             <a:r>
-              <a:rPr lang="en-US" sz="2000" dirty="0" smtClean="0">
+              <a:rPr lang="en-US" sz="2000" dirty="0">
                 <a:cs typeface="Courier New" panose="02070309020205020404" pitchFamily="49" charset="0"/>
               </a:rPr>
               <a:t>Types of Inputs:</a:t>
@@ -10720,7 +10757,7 @@
           <a:p>
             <a:pPr lvl="1" indent="-457200"/>
             <a:r>
-              <a:rPr lang="en-US" b="1" dirty="0" smtClean="0">
+              <a:rPr lang="en-US" b="1" dirty="0">
                 <a:cs typeface="Courier New" panose="02070309020205020404" pitchFamily="49" charset="0"/>
               </a:rPr>
               <a:t>Keyboard</a:t>
@@ -10729,7 +10766,7 @@
           <a:p>
             <a:pPr lvl="1" indent="-457200"/>
             <a:r>
-              <a:rPr lang="en-US" b="1" dirty="0" smtClean="0">
+              <a:rPr lang="en-US" b="1" dirty="0">
                 <a:cs typeface="Courier New" panose="02070309020205020404" pitchFamily="49" charset="0"/>
               </a:rPr>
               <a:t>Mouse</a:t>
@@ -10738,7 +10775,7 @@
           <a:p>
             <a:pPr lvl="1" indent="-457200"/>
             <a:r>
-              <a:rPr lang="en-US" dirty="0" smtClean="0">
+              <a:rPr lang="en-US" dirty="0">
                 <a:cs typeface="Courier New" panose="02070309020205020404" pitchFamily="49" charset="0"/>
               </a:rPr>
               <a:t>Controllers</a:t>
@@ -10747,7 +10784,7 @@
           <a:p>
             <a:pPr lvl="1" indent="-457200"/>
             <a:r>
-              <a:rPr lang="en-US" dirty="0" smtClean="0">
+              <a:rPr lang="en-US" dirty="0">
                 <a:cs typeface="Courier New" panose="02070309020205020404" pitchFamily="49" charset="0"/>
               </a:rPr>
               <a:t>Joysticks</a:t>
@@ -10755,7 +10792,7 @@
           </a:p>
           <a:p>
             <a:pPr lvl="0" indent="-457200"/>
-            <a:endParaRPr lang="en-US" sz="2000" dirty="0" smtClean="0">
+            <a:endParaRPr lang="en-US" sz="2000" dirty="0">
               <a:cs typeface="Courier New" panose="02070309020205020404" pitchFamily="49" charset="0"/>
             </a:endParaRPr>
           </a:p>
@@ -11045,14 +11082,14 @@
           </a:lstStyle>
           <a:p>
             <a:pPr lvl="1" indent="-457200"/>
-            <a:endParaRPr lang="en-US" sz="1600" b="1" dirty="0" smtClean="0">
+            <a:endParaRPr lang="en-US" sz="1600" b="1" dirty="0">
               <a:cs typeface="Courier New" panose="02070309020205020404" pitchFamily="49" charset="0"/>
             </a:endParaRPr>
           </a:p>
           <a:p>
             <a:pPr lvl="1" indent="-457200"/>
             <a:r>
-              <a:rPr lang="en-US" dirty="0" smtClean="0">
+              <a:rPr lang="en-US" dirty="0">
                 <a:cs typeface="Courier New" panose="02070309020205020404" pitchFamily="49" charset="0"/>
               </a:rPr>
               <a:t>Touch Screens</a:t>
@@ -11061,7 +11098,7 @@
           <a:p>
             <a:pPr lvl="1" indent="-457200"/>
             <a:r>
-              <a:rPr lang="en-US" dirty="0" smtClean="0">
+              <a:rPr lang="en-US" dirty="0">
                 <a:cs typeface="Courier New" panose="02070309020205020404" pitchFamily="49" charset="0"/>
               </a:rPr>
               <a:t>Voice</a:t>
@@ -11070,7 +11107,7 @@
           <a:p>
             <a:pPr lvl="1" indent="-457200"/>
             <a:r>
-              <a:rPr lang="en-US" dirty="0" smtClean="0">
+              <a:rPr lang="en-US" dirty="0">
                 <a:cs typeface="Courier New" panose="02070309020205020404" pitchFamily="49" charset="0"/>
               </a:rPr>
               <a:t>Motion</a:t>
@@ -11079,7 +11116,7 @@
           <a:p>
             <a:pPr lvl="1" indent="-457200"/>
             <a:r>
-              <a:rPr lang="en-US" dirty="0" smtClean="0">
+              <a:rPr lang="en-US" dirty="0">
                 <a:cs typeface="Courier New" panose="02070309020205020404" pitchFamily="49" charset="0"/>
               </a:rPr>
               <a:t>Camera</a:t>
@@ -11087,7 +11124,7 @@
           </a:p>
           <a:p>
             <a:pPr indent="-457200"/>
-            <a:endParaRPr lang="en-US" sz="2000" dirty="0" smtClean="0">
+            <a:endParaRPr lang="en-US" sz="2000" dirty="0">
               <a:cs typeface="Courier New" panose="02070309020205020404" pitchFamily="49" charset="0"/>
             </a:endParaRPr>
           </a:p>
@@ -11103,13 +11140,6 @@
   <p:clrMapOvr>
     <a:masterClrMapping/>
   </p:clrMapOvr>
-  <p:timing>
-    <p:tnLst>
-      <p:par>
-        <p:cTn id="1" dur="indefinite" restart="never" nodeType="tmRoot"/>
-      </p:par>
-    </p:tnLst>
-  </p:timing>
 </p:sld>
 </file>
 
@@ -11159,8 +11189,8 @@
               <a:buSzPct val="25000"/>
             </a:pPr>
             <a:r>
-              <a:rPr lang="en-US" dirty="0" smtClean="0"/>
-              <a:t>Keyboard Input</a:t>
+              <a:rPr lang="en-US" dirty="0"/>
+              <a:t>Unity’s Input Systems</a:t>
             </a:r>
             <a:endParaRPr lang="en-US" sz="4400" b="0" i="0" u="none" strike="noStrike" cap="none" dirty="0">
               <a:solidFill>
@@ -11182,6 +11212,120 @@
           </p:cNvSpPr>
           <p:nvPr>
             <p:ph type="body" idx="1"/>
+          </p:nvPr>
+        </p:nvSpPr>
+        <p:spPr>
+          <a:xfrm>
+            <a:off x="457200" y="1600199"/>
+            <a:ext cx="3200400" cy="3200399"/>
+          </a:xfrm>
+          <a:prstGeom prst="rect">
+            <a:avLst/>
+          </a:prstGeom>
+          <a:noFill/>
+          <a:ln>
+            <a:noFill/>
+          </a:ln>
+        </p:spPr>
+        <p:txBody>
+          <a:bodyPr lIns="91425" tIns="45700" rIns="91425" bIns="45700" anchor="t" anchorCtr="0">
+            <a:noAutofit/>
+          </a:bodyPr>
+          <a:lstStyle/>
+          <a:p>
+            <a:pPr lvl="0" indent="-457200"/>
+            <a:r>
+              <a:rPr lang="en-US" sz="2000" b="1" dirty="0">
+                <a:cs typeface="Courier New" panose="02070309020205020404" pitchFamily="49" charset="0"/>
+              </a:rPr>
+              <a:t>Input (Legacy)</a:t>
+            </a:r>
+          </a:p>
+          <a:p>
+            <a:pPr lvl="0" indent="-457200"/>
+            <a:endParaRPr lang="en-US" sz="2000" dirty="0">
+              <a:cs typeface="Courier New" panose="02070309020205020404" pitchFamily="49" charset="0"/>
+            </a:endParaRPr>
+          </a:p>
+          <a:p>
+            <a:pPr lvl="0" indent="-457200"/>
+            <a:r>
+              <a:rPr lang="en-US" sz="1600" dirty="0">
+                <a:cs typeface="Courier New" panose="02070309020205020404" pitchFamily="49" charset="0"/>
+              </a:rPr>
+              <a:t>Key Codes &amp; Mouse Buttons</a:t>
+            </a:r>
+          </a:p>
+          <a:p>
+            <a:pPr lvl="1" indent="-457200"/>
+            <a:r>
+              <a:rPr lang="en-US" sz="1200" dirty="0">
+                <a:cs typeface="Courier New" panose="02070309020205020404" pitchFamily="49" charset="0"/>
+              </a:rPr>
+              <a:t>Basic Keyboard and Mouse input is very easy</a:t>
+            </a:r>
+          </a:p>
+          <a:p>
+            <a:pPr lvl="1" indent="-457200"/>
+            <a:r>
+              <a:rPr lang="en-US" sz="1200" dirty="0">
+                <a:cs typeface="Courier New" panose="02070309020205020404" pitchFamily="49" charset="0"/>
+              </a:rPr>
+              <a:t>Hard coded input system</a:t>
+            </a:r>
+          </a:p>
+          <a:p>
+            <a:pPr lvl="0" indent="-457200"/>
+            <a:endParaRPr lang="en-US" sz="1600" dirty="0">
+              <a:cs typeface="Courier New" panose="02070309020205020404" pitchFamily="49" charset="0"/>
+            </a:endParaRPr>
+          </a:p>
+          <a:p>
+            <a:pPr lvl="0" indent="-457200"/>
+            <a:r>
+              <a:rPr lang="en-US" sz="1600" dirty="0">
+                <a:cs typeface="Courier New" panose="02070309020205020404" pitchFamily="49" charset="0"/>
+              </a:rPr>
+              <a:t>Bound Axis and Buttons </a:t>
+            </a:r>
+          </a:p>
+          <a:p>
+            <a:pPr lvl="1" indent="-457200"/>
+            <a:r>
+              <a:rPr lang="en-US" sz="1200" dirty="0">
+                <a:cs typeface="Courier New" panose="02070309020205020404" pitchFamily="49" charset="0"/>
+              </a:rPr>
+              <a:t>Project Based Binds</a:t>
+            </a:r>
+          </a:p>
+          <a:p>
+            <a:pPr lvl="1" indent="-457200"/>
+            <a:r>
+              <a:rPr lang="en-US" sz="1200" dirty="0">
+                <a:cs typeface="Courier New" panose="02070309020205020404" pitchFamily="49" charset="0"/>
+              </a:rPr>
+              <a:t>Doesn’t support multi players and controllers well</a:t>
+            </a:r>
+          </a:p>
+          <a:p>
+            <a:pPr lvl="1" indent="-457200"/>
+            <a:r>
+              <a:rPr lang="en-US" sz="1200" dirty="0">
+                <a:cs typeface="Courier New" panose="02070309020205020404" pitchFamily="49" charset="0"/>
+              </a:rPr>
+              <a:t>Different controller brands have different binds</a:t>
+            </a:r>
+          </a:p>
+        </p:txBody>
+      </p:sp>
+      <p:sp>
+        <p:nvSpPr>
+          <p:cNvPr id="131" name="Shape 131"/>
+          <p:cNvSpPr txBox="1">
+            <a:spLocks noGrp="1"/>
+          </p:cNvSpPr>
+          <p:nvPr>
+            <p:ph type="body" idx="2"/>
           </p:nvPr>
         </p:nvSpPr>
         <p:spPr>
@@ -11199,223 +11343,6 @@
           </a:bodyPr>
           <a:lstStyle/>
           <a:p>
-            <a:pPr lvl="0" indent="-457200"/>
-            <a:r>
-              <a:rPr lang="en-US" sz="2000" dirty="0" smtClean="0">
-                <a:latin typeface="Courier New" panose="02070309020205020404" pitchFamily="49" charset="0"/>
-                <a:cs typeface="Courier New" panose="02070309020205020404" pitchFamily="49" charset="0"/>
-              </a:rPr>
-              <a:t>bool result = </a:t>
-            </a:r>
-            <a:r>
-              <a:rPr lang="en-US" sz="2000" dirty="0" err="1" smtClean="0">
-                <a:latin typeface="Courier New" panose="02070309020205020404" pitchFamily="49" charset="0"/>
-                <a:cs typeface="Courier New" panose="02070309020205020404" pitchFamily="49" charset="0"/>
-              </a:rPr>
-              <a:t>Input.anyKey</a:t>
-            </a:r>
-            <a:r>
-              <a:rPr lang="en-US" sz="2000" dirty="0" smtClean="0">
-                <a:latin typeface="Courier New" panose="02070309020205020404" pitchFamily="49" charset="0"/>
-                <a:cs typeface="Courier New" panose="02070309020205020404" pitchFamily="49" charset="0"/>
-              </a:rPr>
-              <a:t>;</a:t>
-            </a:r>
-          </a:p>
-          <a:p>
-            <a:pPr lvl="0" indent="-457200"/>
-            <a:r>
-              <a:rPr lang="en-US" sz="2000" dirty="0" smtClean="0">
-                <a:latin typeface="Courier New" panose="02070309020205020404" pitchFamily="49" charset="0"/>
-                <a:cs typeface="Courier New" panose="02070309020205020404" pitchFamily="49" charset="0"/>
-              </a:rPr>
-              <a:t>bool result = </a:t>
-            </a:r>
-            <a:r>
-              <a:rPr lang="en-US" sz="2000" dirty="0" err="1" smtClean="0">
-                <a:latin typeface="Courier New" panose="02070309020205020404" pitchFamily="49" charset="0"/>
-                <a:cs typeface="Courier New" panose="02070309020205020404" pitchFamily="49" charset="0"/>
-              </a:rPr>
-              <a:t>Input.anyKeyDown</a:t>
-            </a:r>
-            <a:endParaRPr lang="en-US" sz="2000" dirty="0" smtClean="0">
-              <a:latin typeface="Courier New" panose="02070309020205020404" pitchFamily="49" charset="0"/>
-              <a:cs typeface="Courier New" panose="02070309020205020404" pitchFamily="49" charset="0"/>
-            </a:endParaRPr>
-          </a:p>
-          <a:p>
-            <a:pPr lvl="0" indent="-457200"/>
-            <a:endParaRPr lang="en-US" sz="2000" dirty="0">
-              <a:latin typeface="Courier New" panose="02070309020205020404" pitchFamily="49" charset="0"/>
-              <a:cs typeface="Courier New" panose="02070309020205020404" pitchFamily="49" charset="0"/>
-            </a:endParaRPr>
-          </a:p>
-          <a:p>
-            <a:pPr lvl="0" indent="-457200"/>
-            <a:r>
-              <a:rPr lang="en-US" sz="2000" dirty="0">
-                <a:latin typeface="Courier New" panose="02070309020205020404" pitchFamily="49" charset="0"/>
-                <a:cs typeface="Courier New" panose="02070309020205020404" pitchFamily="49" charset="0"/>
-              </a:rPr>
-              <a:t>bool result = </a:t>
-            </a:r>
-            <a:r>
-              <a:rPr lang="en-US" sz="2000" dirty="0" err="1" smtClean="0">
-                <a:latin typeface="Courier New" panose="02070309020205020404" pitchFamily="49" charset="0"/>
-                <a:cs typeface="Courier New" panose="02070309020205020404" pitchFamily="49" charset="0"/>
-              </a:rPr>
-              <a:t>Input.GetKey</a:t>
-            </a:r>
-            <a:r>
-              <a:rPr lang="en-US" sz="2000" dirty="0" smtClean="0">
-                <a:latin typeface="Courier New" panose="02070309020205020404" pitchFamily="49" charset="0"/>
-                <a:cs typeface="Courier New" panose="02070309020205020404" pitchFamily="49" charset="0"/>
-              </a:rPr>
-              <a:t>(</a:t>
-            </a:r>
-            <a:r>
-              <a:rPr lang="en-US" sz="2000" dirty="0" err="1" smtClean="0">
-                <a:latin typeface="Courier New" panose="02070309020205020404" pitchFamily="49" charset="0"/>
-                <a:cs typeface="Courier New" panose="02070309020205020404" pitchFamily="49" charset="0"/>
-              </a:rPr>
-              <a:t>KeyCode</a:t>
-            </a:r>
-            <a:r>
-              <a:rPr lang="en-US" sz="2000" dirty="0" smtClean="0">
-                <a:latin typeface="Courier New" panose="02070309020205020404" pitchFamily="49" charset="0"/>
-                <a:cs typeface="Courier New" panose="02070309020205020404" pitchFamily="49" charset="0"/>
-              </a:rPr>
-              <a:t> key);</a:t>
-            </a:r>
-            <a:endParaRPr lang="en-US" sz="2000" dirty="0">
-              <a:latin typeface="Courier New" panose="02070309020205020404" pitchFamily="49" charset="0"/>
-              <a:cs typeface="Courier New" panose="02070309020205020404" pitchFamily="49" charset="0"/>
-            </a:endParaRPr>
-          </a:p>
-          <a:p>
-            <a:pPr lvl="0" indent="-457200"/>
-            <a:r>
-              <a:rPr lang="en-US" sz="2000" dirty="0">
-                <a:latin typeface="Courier New" panose="02070309020205020404" pitchFamily="49" charset="0"/>
-                <a:cs typeface="Courier New" panose="02070309020205020404" pitchFamily="49" charset="0"/>
-              </a:rPr>
-              <a:t>bool result = </a:t>
-            </a:r>
-            <a:r>
-              <a:rPr lang="en-US" sz="2000" dirty="0" err="1" smtClean="0">
-                <a:latin typeface="Courier New" panose="02070309020205020404" pitchFamily="49" charset="0"/>
-                <a:cs typeface="Courier New" panose="02070309020205020404" pitchFamily="49" charset="0"/>
-              </a:rPr>
-              <a:t>Input.GetKeyDown</a:t>
-            </a:r>
-            <a:r>
-              <a:rPr lang="en-US" sz="2000" dirty="0" smtClean="0">
-                <a:latin typeface="Courier New" panose="02070309020205020404" pitchFamily="49" charset="0"/>
-                <a:cs typeface="Courier New" panose="02070309020205020404" pitchFamily="49" charset="0"/>
-              </a:rPr>
-              <a:t>(</a:t>
-            </a:r>
-            <a:r>
-              <a:rPr lang="en-US" sz="2000" dirty="0" err="1" smtClean="0">
-                <a:latin typeface="Courier New" panose="02070309020205020404" pitchFamily="49" charset="0"/>
-                <a:cs typeface="Courier New" panose="02070309020205020404" pitchFamily="49" charset="0"/>
-              </a:rPr>
-              <a:t>KeyCode</a:t>
-            </a:r>
-            <a:r>
-              <a:rPr lang="en-US" sz="2000" dirty="0" smtClean="0">
-                <a:latin typeface="Courier New" panose="02070309020205020404" pitchFamily="49" charset="0"/>
-                <a:cs typeface="Courier New" panose="02070309020205020404" pitchFamily="49" charset="0"/>
-              </a:rPr>
-              <a:t> </a:t>
-            </a:r>
-            <a:r>
-              <a:rPr lang="en-US" sz="2000" dirty="0">
-                <a:latin typeface="Courier New" panose="02070309020205020404" pitchFamily="49" charset="0"/>
-                <a:cs typeface="Courier New" panose="02070309020205020404" pitchFamily="49" charset="0"/>
-              </a:rPr>
-              <a:t>key);</a:t>
-            </a:r>
-          </a:p>
-          <a:p>
-            <a:pPr indent="-457200"/>
-            <a:r>
-              <a:rPr lang="en-US" sz="2000" dirty="0">
-                <a:latin typeface="Courier New" panose="02070309020205020404" pitchFamily="49" charset="0"/>
-                <a:cs typeface="Courier New" panose="02070309020205020404" pitchFamily="49" charset="0"/>
-              </a:rPr>
-              <a:t>bool result = </a:t>
-            </a:r>
-            <a:r>
-              <a:rPr lang="en-US" sz="2000" dirty="0" err="1" smtClean="0">
-                <a:latin typeface="Courier New" panose="02070309020205020404" pitchFamily="49" charset="0"/>
-                <a:cs typeface="Courier New" panose="02070309020205020404" pitchFamily="49" charset="0"/>
-              </a:rPr>
-              <a:t>Input.GetKeyUp</a:t>
-            </a:r>
-            <a:r>
-              <a:rPr lang="en-US" sz="2000" dirty="0" smtClean="0">
-                <a:latin typeface="Courier New" panose="02070309020205020404" pitchFamily="49" charset="0"/>
-                <a:cs typeface="Courier New" panose="02070309020205020404" pitchFamily="49" charset="0"/>
-              </a:rPr>
-              <a:t>(</a:t>
-            </a:r>
-            <a:r>
-              <a:rPr lang="en-US" sz="2000" dirty="0" err="1" smtClean="0">
-                <a:latin typeface="Courier New" panose="02070309020205020404" pitchFamily="49" charset="0"/>
-                <a:cs typeface="Courier New" panose="02070309020205020404" pitchFamily="49" charset="0"/>
-              </a:rPr>
-              <a:t>KeyCode</a:t>
-            </a:r>
-            <a:r>
-              <a:rPr lang="en-US" sz="2000" dirty="0" smtClean="0">
-                <a:latin typeface="Courier New" panose="02070309020205020404" pitchFamily="49" charset="0"/>
-                <a:cs typeface="Courier New" panose="02070309020205020404" pitchFamily="49" charset="0"/>
-              </a:rPr>
-              <a:t> </a:t>
-            </a:r>
-            <a:r>
-              <a:rPr lang="en-US" sz="2000" dirty="0">
-                <a:latin typeface="Courier New" panose="02070309020205020404" pitchFamily="49" charset="0"/>
-                <a:cs typeface="Courier New" panose="02070309020205020404" pitchFamily="49" charset="0"/>
-              </a:rPr>
-              <a:t>key);</a:t>
-            </a:r>
-          </a:p>
-          <a:p>
-            <a:pPr lvl="0" indent="-457200"/>
-            <a:endParaRPr lang="en-US" sz="2000" dirty="0" smtClean="0">
-              <a:latin typeface="Courier New" panose="02070309020205020404" pitchFamily="49" charset="0"/>
-              <a:cs typeface="Courier New" panose="02070309020205020404" pitchFamily="49" charset="0"/>
-            </a:endParaRPr>
-          </a:p>
-        </p:txBody>
-      </p:sp>
-      <p:sp>
-        <p:nvSpPr>
-          <p:cNvPr id="131" name="Shape 131"/>
-          <p:cNvSpPr txBox="1">
-            <a:spLocks noGrp="1"/>
-          </p:cNvSpPr>
-          <p:nvPr>
-            <p:ph type="body" idx="2"/>
-          </p:nvPr>
-        </p:nvSpPr>
-        <p:spPr>
-          <a:prstGeom prst="rect">
-            <a:avLst/>
-          </a:prstGeom>
-          <a:noFill/>
-          <a:ln>
-            <a:noFill/>
-          </a:ln>
-        </p:spPr>
-        <p:txBody>
-          <a:bodyPr lIns="91425" tIns="45700" rIns="91425" bIns="45700" anchor="t" anchorCtr="0">
-            <a:noAutofit/>
-          </a:bodyPr>
-          <a:lstStyle/>
-          <a:p>
             <a:pPr marL="0" marR="0" lvl="0" indent="0" algn="ctr" rtl="0">
               <a:spcBef>
                 <a:spcPts val="0"/>
@@ -11439,23 +11366,336 @@
           </a:p>
         </p:txBody>
       </p:sp>
+      <p:sp>
+        <p:nvSpPr>
+          <p:cNvPr id="6" name="Shape 130">
+            <a:extLst>
+              <a:ext uri="{FF2B5EF4-FFF2-40B4-BE49-F238E27FC236}">
+                <a16:creationId xmlns:a16="http://schemas.microsoft.com/office/drawing/2014/main" id="{116F41D6-EBFC-422B-BABA-AAFAB1BA92B1}"/>
+              </a:ext>
+            </a:extLst>
+          </p:cNvPr>
+          <p:cNvSpPr txBox="1">
+            <a:spLocks/>
+          </p:cNvSpPr>
+          <p:nvPr/>
+        </p:nvSpPr>
+        <p:spPr>
+          <a:xfrm>
+            <a:off x="4089647" y="1600199"/>
+            <a:ext cx="3200400" cy="3200399"/>
+          </a:xfrm>
+          <a:prstGeom prst="rect">
+            <a:avLst/>
+          </a:prstGeom>
+          <a:noFill/>
+          <a:ln>
+            <a:noFill/>
+          </a:ln>
+        </p:spPr>
+        <p:txBody>
+          <a:bodyPr vert="horz" lIns="91425" tIns="45700" rIns="91425" bIns="45700" rtlCol="0" anchor="t" anchorCtr="0">
+            <a:noAutofit/>
+          </a:bodyPr>
+          <a:lstStyle>
+            <a:lvl1pPr marL="457200" marR="0" lvl="0" indent="-254000" algn="l" defTabSz="457200" rtl="0" eaLnBrk="1" latinLnBrk="0" hangingPunct="1">
+              <a:spcBef>
+                <a:spcPts val="640"/>
+              </a:spcBef>
+              <a:spcAft>
+                <a:spcPts val="0"/>
+              </a:spcAft>
+              <a:buClr>
+                <a:schemeClr val="dk1"/>
+              </a:buClr>
+              <a:buSzPct val="100000"/>
+              <a:buFont typeface="Arial"/>
+              <a:buChar char="•"/>
+              <a:defRPr sz="3200" b="0" i="0" u="none" strike="noStrike" kern="1200" cap="none">
+                <a:solidFill>
+                  <a:schemeClr val="dk1"/>
+                </a:solidFill>
+                <a:latin typeface="Calibri"/>
+                <a:ea typeface="Calibri"/>
+                <a:cs typeface="Calibri"/>
+                <a:sym typeface="Calibri"/>
+              </a:defRPr>
+            </a:lvl1pPr>
+            <a:lvl2pPr marL="742950" marR="0" lvl="1" indent="-107950" algn="l" defTabSz="457200" rtl="0" eaLnBrk="1" latinLnBrk="0" hangingPunct="1">
+              <a:spcBef>
+                <a:spcPts val="560"/>
+              </a:spcBef>
+              <a:spcAft>
+                <a:spcPts val="0"/>
+              </a:spcAft>
+              <a:buClr>
+                <a:schemeClr val="dk1"/>
+              </a:buClr>
+              <a:buSzPct val="100000"/>
+              <a:buFont typeface="Arial"/>
+              <a:buChar char="–"/>
+              <a:defRPr sz="2800" b="0" i="0" u="none" strike="noStrike" kern="1200" cap="none">
+                <a:solidFill>
+                  <a:schemeClr val="dk1"/>
+                </a:solidFill>
+                <a:latin typeface="Calibri"/>
+                <a:ea typeface="Calibri"/>
+                <a:cs typeface="Calibri"/>
+                <a:sym typeface="Calibri"/>
+              </a:defRPr>
+            </a:lvl2pPr>
+            <a:lvl3pPr marL="1143000" marR="0" lvl="2" indent="-76200" algn="l" defTabSz="457200" rtl="0" eaLnBrk="1" latinLnBrk="0" hangingPunct="1">
+              <a:spcBef>
+                <a:spcPts val="480"/>
+              </a:spcBef>
+              <a:spcAft>
+                <a:spcPts val="0"/>
+              </a:spcAft>
+              <a:buClr>
+                <a:schemeClr val="dk1"/>
+              </a:buClr>
+              <a:buSzPct val="100000"/>
+              <a:buFont typeface="Arial"/>
+              <a:buChar char="•"/>
+              <a:defRPr sz="2400" b="0" i="0" u="none" strike="noStrike" kern="1200" cap="none">
+                <a:solidFill>
+                  <a:schemeClr val="dk1"/>
+                </a:solidFill>
+                <a:latin typeface="Calibri"/>
+                <a:ea typeface="Calibri"/>
+                <a:cs typeface="Calibri"/>
+                <a:sym typeface="Calibri"/>
+              </a:defRPr>
+            </a:lvl3pPr>
+            <a:lvl4pPr marL="1600200" marR="0" lvl="3" indent="-101600" algn="l" defTabSz="457200" rtl="0" eaLnBrk="1" latinLnBrk="0" hangingPunct="1">
+              <a:spcBef>
+                <a:spcPts val="400"/>
+              </a:spcBef>
+              <a:spcAft>
+                <a:spcPts val="0"/>
+              </a:spcAft>
+              <a:buClr>
+                <a:schemeClr val="dk1"/>
+              </a:buClr>
+              <a:buSzPct val="100000"/>
+              <a:buFont typeface="Arial"/>
+              <a:buChar char="–"/>
+              <a:defRPr sz="2000" b="0" i="0" u="none" strike="noStrike" kern="1200" cap="none">
+                <a:solidFill>
+                  <a:schemeClr val="dk1"/>
+                </a:solidFill>
+                <a:latin typeface="Calibri"/>
+                <a:ea typeface="Calibri"/>
+                <a:cs typeface="Calibri"/>
+                <a:sym typeface="Calibri"/>
+              </a:defRPr>
+            </a:lvl4pPr>
+            <a:lvl5pPr marL="2057400" marR="0" lvl="4" indent="-101600" algn="l" defTabSz="457200" rtl="0" eaLnBrk="1" latinLnBrk="0" hangingPunct="1">
+              <a:spcBef>
+                <a:spcPts val="400"/>
+              </a:spcBef>
+              <a:spcAft>
+                <a:spcPts val="0"/>
+              </a:spcAft>
+              <a:buClr>
+                <a:schemeClr val="dk1"/>
+              </a:buClr>
+              <a:buSzPct val="100000"/>
+              <a:buFont typeface="Arial"/>
+              <a:buChar char="»"/>
+              <a:defRPr sz="2000" b="0" i="0" u="none" strike="noStrike" kern="1200" cap="none">
+                <a:solidFill>
+                  <a:schemeClr val="dk1"/>
+                </a:solidFill>
+                <a:latin typeface="Calibri"/>
+                <a:ea typeface="Calibri"/>
+                <a:cs typeface="Calibri"/>
+                <a:sym typeface="Calibri"/>
+              </a:defRPr>
+            </a:lvl5pPr>
+            <a:lvl6pPr marL="2514600" marR="0" lvl="5" indent="-101600" algn="l" defTabSz="457200" rtl="0" eaLnBrk="1" latinLnBrk="0" hangingPunct="1">
+              <a:spcBef>
+                <a:spcPts val="400"/>
+              </a:spcBef>
+              <a:spcAft>
+                <a:spcPts val="0"/>
+              </a:spcAft>
+              <a:buClr>
+                <a:schemeClr val="dk1"/>
+              </a:buClr>
+              <a:buSzPct val="100000"/>
+              <a:buFont typeface="Arial"/>
+              <a:buChar char="•"/>
+              <a:defRPr sz="2000" b="0" i="0" u="none" strike="noStrike" kern="1200" cap="none">
+                <a:solidFill>
+                  <a:schemeClr val="dk1"/>
+                </a:solidFill>
+                <a:latin typeface="Calibri"/>
+                <a:ea typeface="Calibri"/>
+                <a:cs typeface="Calibri"/>
+                <a:sym typeface="Calibri"/>
+              </a:defRPr>
+            </a:lvl6pPr>
+            <a:lvl7pPr marL="2971800" marR="0" lvl="6" indent="-101600" algn="l" defTabSz="457200" rtl="0" eaLnBrk="1" latinLnBrk="0" hangingPunct="1">
+              <a:spcBef>
+                <a:spcPts val="400"/>
+              </a:spcBef>
+              <a:spcAft>
+                <a:spcPts val="0"/>
+              </a:spcAft>
+              <a:buClr>
+                <a:schemeClr val="dk1"/>
+              </a:buClr>
+              <a:buSzPct val="100000"/>
+              <a:buFont typeface="Arial"/>
+              <a:buChar char="•"/>
+              <a:defRPr sz="2000" b="0" i="0" u="none" strike="noStrike" kern="1200" cap="none">
+                <a:solidFill>
+                  <a:schemeClr val="dk1"/>
+                </a:solidFill>
+                <a:latin typeface="Calibri"/>
+                <a:ea typeface="Calibri"/>
+                <a:cs typeface="Calibri"/>
+                <a:sym typeface="Calibri"/>
+              </a:defRPr>
+            </a:lvl7pPr>
+            <a:lvl8pPr marL="3429000" marR="0" lvl="7" indent="-101600" algn="l" defTabSz="457200" rtl="0" eaLnBrk="1" latinLnBrk="0" hangingPunct="1">
+              <a:spcBef>
+                <a:spcPts val="400"/>
+              </a:spcBef>
+              <a:spcAft>
+                <a:spcPts val="0"/>
+              </a:spcAft>
+              <a:buClr>
+                <a:schemeClr val="dk1"/>
+              </a:buClr>
+              <a:buSzPct val="100000"/>
+              <a:buFont typeface="Arial"/>
+              <a:buChar char="•"/>
+              <a:defRPr sz="2000" b="0" i="0" u="none" strike="noStrike" kern="1200" cap="none">
+                <a:solidFill>
+                  <a:schemeClr val="dk1"/>
+                </a:solidFill>
+                <a:latin typeface="Calibri"/>
+                <a:ea typeface="Calibri"/>
+                <a:cs typeface="Calibri"/>
+                <a:sym typeface="Calibri"/>
+              </a:defRPr>
+            </a:lvl8pPr>
+            <a:lvl9pPr marL="3886200" marR="0" lvl="8" indent="-101600" algn="l" defTabSz="457200" rtl="0" eaLnBrk="1" latinLnBrk="0" hangingPunct="1">
+              <a:spcBef>
+                <a:spcPts val="400"/>
+              </a:spcBef>
+              <a:spcAft>
+                <a:spcPts val="0"/>
+              </a:spcAft>
+              <a:buClr>
+                <a:schemeClr val="dk1"/>
+              </a:buClr>
+              <a:buSzPct val="100000"/>
+              <a:buFont typeface="Arial"/>
+              <a:buChar char="•"/>
+              <a:defRPr sz="2000" b="0" i="0" u="none" strike="noStrike" kern="1200" cap="none">
+                <a:solidFill>
+                  <a:schemeClr val="dk1"/>
+                </a:solidFill>
+                <a:latin typeface="Calibri"/>
+                <a:ea typeface="Calibri"/>
+                <a:cs typeface="Calibri"/>
+                <a:sym typeface="Calibri"/>
+              </a:defRPr>
+            </a:lvl9pPr>
+          </a:lstStyle>
+          <a:p>
+            <a:pPr indent="-457200"/>
+            <a:r>
+              <a:rPr lang="en-US" sz="2000" b="1" dirty="0">
+                <a:cs typeface="Courier New" panose="02070309020205020404" pitchFamily="49" charset="0"/>
+              </a:rPr>
+              <a:t>Input Manager (New)</a:t>
+            </a:r>
+          </a:p>
+          <a:p>
+            <a:pPr indent="-457200"/>
+            <a:endParaRPr lang="en-US" sz="2000" dirty="0">
+              <a:cs typeface="Courier New" panose="02070309020205020404" pitchFamily="49" charset="0"/>
+            </a:endParaRPr>
+          </a:p>
+          <a:p>
+            <a:pPr indent="-457200"/>
+            <a:r>
+              <a:rPr lang="en-US" sz="1600" dirty="0">
+                <a:cs typeface="Courier New" panose="02070309020205020404" pitchFamily="49" charset="0"/>
+              </a:rPr>
+              <a:t>New System that supports multiple gamepads</a:t>
+            </a:r>
+          </a:p>
+          <a:p>
+            <a:pPr lvl="1" indent="-457200"/>
+            <a:r>
+              <a:rPr lang="en-US" sz="1200" dirty="0">
+                <a:cs typeface="Courier New" panose="02070309020205020404" pitchFamily="49" charset="0"/>
+              </a:rPr>
+              <a:t>Streamlined support for multiple controller </a:t>
+            </a:r>
+            <a:r>
+              <a:rPr lang="en-US" sz="1200">
+                <a:cs typeface="Courier New" panose="02070309020205020404" pitchFamily="49" charset="0"/>
+              </a:rPr>
+              <a:t>typess</a:t>
+            </a:r>
+            <a:endParaRPr lang="en-US" sz="1200" dirty="0">
+              <a:cs typeface="Courier New" panose="02070309020205020404" pitchFamily="49" charset="0"/>
+            </a:endParaRPr>
+          </a:p>
+          <a:p>
+            <a:pPr lvl="1" indent="-457200"/>
+            <a:r>
+              <a:rPr lang="en-US" sz="1200" dirty="0">
+                <a:cs typeface="Courier New" panose="02070309020205020404" pitchFamily="49" charset="0"/>
+              </a:rPr>
+              <a:t>Have gotten 22 controllers recognized on one PC </a:t>
+            </a:r>
+          </a:p>
+          <a:p>
+            <a:pPr indent="-457200"/>
+            <a:r>
+              <a:rPr lang="en-US" sz="1600" dirty="0">
+                <a:cs typeface="Courier New" panose="02070309020205020404" pitchFamily="49" charset="0"/>
+              </a:rPr>
+              <a:t>New Systems to create controller profiles </a:t>
+            </a:r>
+          </a:p>
+          <a:p>
+            <a:pPr indent="-457200"/>
+            <a:endParaRPr lang="en-US" sz="1600" dirty="0">
+              <a:cs typeface="Courier New" panose="02070309020205020404" pitchFamily="49" charset="0"/>
+            </a:endParaRPr>
+          </a:p>
+          <a:p>
+            <a:pPr indent="-457200"/>
+            <a:r>
+              <a:rPr lang="en-US" sz="1600" dirty="0">
+                <a:cs typeface="Courier New" panose="02070309020205020404" pitchFamily="49" charset="0"/>
+              </a:rPr>
+              <a:t>Has to be enabled when you make your project. </a:t>
+            </a:r>
+            <a:endParaRPr lang="en-US" sz="1200" dirty="0">
+              <a:cs typeface="Courier New" panose="02070309020205020404" pitchFamily="49" charset="0"/>
+            </a:endParaRPr>
+          </a:p>
+        </p:txBody>
+      </p:sp>
     </p:spTree>
     <p:extLst>
       <p:ext uri="{BB962C8B-B14F-4D97-AF65-F5344CB8AC3E}">
-        <p14:creationId xmlns:p14="http://schemas.microsoft.com/office/powerpoint/2010/main" val="2166282420"/>
+        <p14:creationId xmlns:p14="http://schemas.microsoft.com/office/powerpoint/2010/main" val="3694570139"/>
       </p:ext>
     </p:extLst>
   </p:cSld>
   <p:clrMapOvr>
     <a:masterClrMapping/>
   </p:clrMapOvr>
-  <p:timing>
-    <p:tnLst>
-      <p:par>
-        <p:cTn id="1" dur="indefinite" restart="never" nodeType="tmRoot"/>
-      </p:par>
-    </p:tnLst>
-  </p:timing>
 </p:sld>
 </file>
 
@@ -11505,12 +11745,8 @@
               <a:buSzPct val="25000"/>
             </a:pPr>
             <a:r>
-              <a:rPr lang="en-US" dirty="0" err="1" smtClean="0"/>
-              <a:t>KeyCode</a:t>
-            </a:r>
-            <a:r>
-              <a:rPr lang="en-US" dirty="0" smtClean="0"/>
-              <a:t> Class</a:t>
+              <a:rPr lang="en-US" dirty="0"/>
+              <a:t>Keyboard Input</a:t>
             </a:r>
             <a:endParaRPr lang="en-US" sz="4400" b="0" i="0" u="none" strike="noStrike" cap="none" dirty="0">
               <a:solidFill>
@@ -11551,227 +11787,176 @@
           <a:p>
             <a:pPr lvl="0" indent="-457200"/>
             <a:r>
-              <a:rPr lang="en-US" sz="2000" dirty="0" err="1" smtClean="0">
+              <a:rPr lang="en-US" sz="2000" dirty="0">
+                <a:latin typeface="Courier New" panose="02070309020205020404" pitchFamily="49" charset="0"/>
+                <a:cs typeface="Courier New" panose="02070309020205020404" pitchFamily="49" charset="0"/>
+              </a:rPr>
+              <a:t>bool result = </a:t>
+            </a:r>
+            <a:r>
+              <a:rPr lang="en-US" sz="2000" dirty="0" err="1">
+                <a:latin typeface="Courier New" panose="02070309020205020404" pitchFamily="49" charset="0"/>
+                <a:cs typeface="Courier New" panose="02070309020205020404" pitchFamily="49" charset="0"/>
+              </a:rPr>
+              <a:t>Input.anyKey</a:t>
+            </a:r>
+            <a:r>
+              <a:rPr lang="en-US" sz="2000" dirty="0">
+                <a:latin typeface="Courier New" panose="02070309020205020404" pitchFamily="49" charset="0"/>
+                <a:cs typeface="Courier New" panose="02070309020205020404" pitchFamily="49" charset="0"/>
+              </a:rPr>
+              <a:t>();</a:t>
+            </a:r>
+          </a:p>
+          <a:p>
+            <a:pPr lvl="0" indent="-457200"/>
+            <a:r>
+              <a:rPr lang="en-US" sz="2000" dirty="0">
+                <a:latin typeface="Courier New" panose="02070309020205020404" pitchFamily="49" charset="0"/>
+                <a:cs typeface="Courier New" panose="02070309020205020404" pitchFamily="49" charset="0"/>
+              </a:rPr>
+              <a:t>bool result = </a:t>
+            </a:r>
+            <a:r>
+              <a:rPr lang="en-US" sz="2000" dirty="0" err="1">
+                <a:latin typeface="Courier New" panose="02070309020205020404" pitchFamily="49" charset="0"/>
+                <a:cs typeface="Courier New" panose="02070309020205020404" pitchFamily="49" charset="0"/>
+              </a:rPr>
+              <a:t>Input.anyKeyDown</a:t>
+            </a:r>
+            <a:r>
+              <a:rPr lang="en-US" sz="2000" dirty="0">
+                <a:latin typeface="Courier New" panose="02070309020205020404" pitchFamily="49" charset="0"/>
+                <a:cs typeface="Courier New" panose="02070309020205020404" pitchFamily="49" charset="0"/>
+              </a:rPr>
+              <a:t>()</a:t>
+            </a:r>
+          </a:p>
+          <a:p>
+            <a:pPr lvl="0" indent="-457200"/>
+            <a:endParaRPr lang="en-US" sz="2000" dirty="0">
+              <a:latin typeface="Courier New" panose="02070309020205020404" pitchFamily="49" charset="0"/>
+              <a:cs typeface="Courier New" panose="02070309020205020404" pitchFamily="49" charset="0"/>
+            </a:endParaRPr>
+          </a:p>
+          <a:p>
+            <a:pPr lvl="0" indent="-457200"/>
+            <a:r>
+              <a:rPr lang="en-US" sz="2000" dirty="0">
+                <a:latin typeface="Courier New" panose="02070309020205020404" pitchFamily="49" charset="0"/>
+                <a:cs typeface="Courier New" panose="02070309020205020404" pitchFamily="49" charset="0"/>
+              </a:rPr>
+              <a:t>bool result = </a:t>
+            </a:r>
+            <a:r>
+              <a:rPr lang="en-US" sz="2000" dirty="0" err="1">
+                <a:latin typeface="Courier New" panose="02070309020205020404" pitchFamily="49" charset="0"/>
+                <a:cs typeface="Courier New" panose="02070309020205020404" pitchFamily="49" charset="0"/>
+              </a:rPr>
+              <a:t>Input.GetKey</a:t>
+            </a:r>
+            <a:r>
+              <a:rPr lang="en-US" sz="2000" dirty="0">
+                <a:latin typeface="Courier New" panose="02070309020205020404" pitchFamily="49" charset="0"/>
+                <a:cs typeface="Courier New" panose="02070309020205020404" pitchFamily="49" charset="0"/>
+              </a:rPr>
+              <a:t>(</a:t>
+            </a:r>
+            <a:r>
+              <a:rPr lang="en-US" sz="2000" dirty="0" err="1">
+                <a:latin typeface="Courier New" panose="02070309020205020404" pitchFamily="49" charset="0"/>
                 <a:cs typeface="Courier New" panose="02070309020205020404" pitchFamily="49" charset="0"/>
               </a:rPr>
               <a:t>KeyCode</a:t>
             </a:r>
             <a:r>
-              <a:rPr lang="en-US" sz="2000" dirty="0" smtClean="0">
+              <a:rPr lang="en-US" sz="2000" dirty="0">
+                <a:latin typeface="Courier New" panose="02070309020205020404" pitchFamily="49" charset="0"/>
                 <a:cs typeface="Courier New" panose="02070309020205020404" pitchFamily="49" charset="0"/>
               </a:rPr>
-              <a:t> is a predefine class built for you to reference all of the keys on a keyboard easily. </a:t>
+              <a:t> key);</a:t>
             </a:r>
           </a:p>
           <a:p>
             <a:pPr lvl="0" indent="-457200"/>
             <a:r>
-              <a:rPr lang="en-US" sz="2000" dirty="0" smtClean="0">
+              <a:rPr lang="en-US" sz="2000" dirty="0">
+                <a:latin typeface="Courier New" panose="02070309020205020404" pitchFamily="49" charset="0"/>
                 <a:cs typeface="Courier New" panose="02070309020205020404" pitchFamily="49" charset="0"/>
               </a:rPr>
-              <a:t>A standard keyboard has over 100 different keys on it. </a:t>
+              <a:t>bool result = </a:t>
+            </a:r>
+            <a:r>
+              <a:rPr lang="en-US" sz="2000" dirty="0" err="1">
+                <a:latin typeface="Courier New" panose="02070309020205020404" pitchFamily="49" charset="0"/>
+                <a:cs typeface="Courier New" panose="02070309020205020404" pitchFamily="49" charset="0"/>
+              </a:rPr>
+              <a:t>Input.GetKeyDown</a:t>
+            </a:r>
+            <a:r>
+              <a:rPr lang="en-US" sz="2000" dirty="0">
+                <a:latin typeface="Courier New" panose="02070309020205020404" pitchFamily="49" charset="0"/>
+                <a:cs typeface="Courier New" panose="02070309020205020404" pitchFamily="49" charset="0"/>
+              </a:rPr>
+              <a:t>(</a:t>
+            </a:r>
+            <a:r>
+              <a:rPr lang="en-US" sz="2000" dirty="0" err="1">
+                <a:latin typeface="Courier New" panose="02070309020205020404" pitchFamily="49" charset="0"/>
+                <a:cs typeface="Courier New" panose="02070309020205020404" pitchFamily="49" charset="0"/>
+              </a:rPr>
+              <a:t>KeyCode</a:t>
+            </a:r>
+            <a:r>
+              <a:rPr lang="en-US" sz="2000" dirty="0">
+                <a:latin typeface="Courier New" panose="02070309020205020404" pitchFamily="49" charset="0"/>
+                <a:cs typeface="Courier New" panose="02070309020205020404" pitchFamily="49" charset="0"/>
+              </a:rPr>
+              <a:t> key);</a:t>
+            </a:r>
+          </a:p>
+          <a:p>
+            <a:pPr indent="-457200"/>
+            <a:r>
+              <a:rPr lang="en-US" sz="2000" dirty="0">
+                <a:latin typeface="Courier New" panose="02070309020205020404" pitchFamily="49" charset="0"/>
+                <a:cs typeface="Courier New" panose="02070309020205020404" pitchFamily="49" charset="0"/>
+              </a:rPr>
+              <a:t>bool result = </a:t>
+            </a:r>
+            <a:r>
+              <a:rPr lang="en-US" sz="2000" dirty="0" err="1">
+                <a:latin typeface="Courier New" panose="02070309020205020404" pitchFamily="49" charset="0"/>
+                <a:cs typeface="Courier New" panose="02070309020205020404" pitchFamily="49" charset="0"/>
+              </a:rPr>
+              <a:t>Input.GetKeyUp</a:t>
+            </a:r>
+            <a:r>
+              <a:rPr lang="en-US" sz="2000" dirty="0">
+                <a:latin typeface="Courier New" panose="02070309020205020404" pitchFamily="49" charset="0"/>
+                <a:cs typeface="Courier New" panose="02070309020205020404" pitchFamily="49" charset="0"/>
+              </a:rPr>
+              <a:t>(</a:t>
+            </a:r>
+            <a:r>
+              <a:rPr lang="en-US" sz="2000" dirty="0" err="1">
+                <a:latin typeface="Courier New" panose="02070309020205020404" pitchFamily="49" charset="0"/>
+                <a:cs typeface="Courier New" panose="02070309020205020404" pitchFamily="49" charset="0"/>
+              </a:rPr>
+              <a:t>KeyCode</a:t>
+            </a:r>
+            <a:r>
+              <a:rPr lang="en-US" sz="2000" dirty="0">
+                <a:latin typeface="Courier New" panose="02070309020205020404" pitchFamily="49" charset="0"/>
+                <a:cs typeface="Courier New" panose="02070309020205020404" pitchFamily="49" charset="0"/>
+              </a:rPr>
+              <a:t> key);</a:t>
             </a:r>
           </a:p>
           <a:p>
             <a:pPr lvl="0" indent="-457200"/>
             <a:endParaRPr lang="en-US" sz="2000" dirty="0">
-              <a:cs typeface="Courier New" panose="02070309020205020404" pitchFamily="49" charset="0"/>
-            </a:endParaRPr>
-          </a:p>
-          <a:p>
-            <a:pPr lvl="0" indent="-457200"/>
-            <a:r>
-              <a:rPr lang="en-US" sz="2000" dirty="0" smtClean="0">
-                <a:cs typeface="Courier New" panose="02070309020205020404" pitchFamily="49" charset="0"/>
-              </a:rPr>
-              <a:t>Examples:</a:t>
-            </a:r>
-          </a:p>
-          <a:p>
-            <a:pPr marL="0" lvl="0" indent="0">
-              <a:buNone/>
-            </a:pPr>
-            <a:r>
-              <a:rPr lang="en-US" sz="2000" dirty="0" smtClean="0">
-                <a:cs typeface="Courier New" panose="02070309020205020404" pitchFamily="49" charset="0"/>
-              </a:rPr>
-              <a:t>		</a:t>
-            </a:r>
-            <a:r>
-              <a:rPr lang="en-US" sz="2000" dirty="0" err="1" smtClean="0">
-                <a:cs typeface="Courier New" panose="02070309020205020404" pitchFamily="49" charset="0"/>
-              </a:rPr>
-              <a:t>KeyCode.A</a:t>
-            </a:r>
-            <a:r>
-              <a:rPr lang="en-US" sz="2000" dirty="0" smtClean="0">
-                <a:cs typeface="Courier New" panose="02070309020205020404" pitchFamily="49" charset="0"/>
-              </a:rPr>
-              <a:t> 	</a:t>
-            </a:r>
-            <a:r>
-              <a:rPr lang="en-US" sz="2000" dirty="0">
-                <a:cs typeface="Courier New" panose="02070309020205020404" pitchFamily="49" charset="0"/>
-              </a:rPr>
-              <a:t>	</a:t>
-            </a:r>
-            <a:r>
-              <a:rPr lang="en-US" sz="2000" dirty="0" smtClean="0">
-                <a:cs typeface="Courier New" panose="02070309020205020404" pitchFamily="49" charset="0"/>
-              </a:rPr>
-              <a:t>	</a:t>
-            </a:r>
-            <a:r>
-              <a:rPr lang="en-US" sz="2000" dirty="0" err="1" smtClean="0">
-                <a:cs typeface="Courier New" panose="02070309020205020404" pitchFamily="49" charset="0"/>
-              </a:rPr>
-              <a:t>KeyCode.Z</a:t>
-            </a:r>
-            <a:r>
-              <a:rPr lang="en-US" sz="2000" dirty="0" smtClean="0">
-                <a:cs typeface="Courier New" panose="02070309020205020404" pitchFamily="49" charset="0"/>
-              </a:rPr>
-              <a:t> </a:t>
-            </a:r>
-            <a:r>
-              <a:rPr lang="en-US" sz="2000" dirty="0">
-                <a:cs typeface="Courier New" panose="02070309020205020404" pitchFamily="49" charset="0"/>
-              </a:rPr>
-              <a:t>		</a:t>
-            </a:r>
-            <a:r>
-              <a:rPr lang="en-US" sz="2000" dirty="0" smtClean="0">
-                <a:cs typeface="Courier New" panose="02070309020205020404" pitchFamily="49" charset="0"/>
-              </a:rPr>
-              <a:t>	KeyCode.F1 </a:t>
-            </a:r>
-          </a:p>
-          <a:p>
-            <a:pPr marL="0" lvl="0" indent="0">
-              <a:buNone/>
-            </a:pPr>
-            <a:r>
-              <a:rPr lang="en-US" sz="2000" dirty="0" smtClean="0">
-                <a:cs typeface="Courier New" panose="02070309020205020404" pitchFamily="49" charset="0"/>
-              </a:rPr>
-              <a:t>		KeyCode.</a:t>
-            </a:r>
-            <a:r>
-              <a:rPr lang="en-US" sz="2000" dirty="0" smtClean="0"/>
-              <a:t>Alpha2 </a:t>
-            </a:r>
-            <a:r>
-              <a:rPr lang="en-US" sz="2000" dirty="0">
-                <a:cs typeface="Courier New" panose="02070309020205020404" pitchFamily="49" charset="0"/>
-              </a:rPr>
-              <a:t>		</a:t>
-            </a:r>
-            <a:r>
-              <a:rPr lang="en-US" sz="2000" dirty="0" err="1" smtClean="0">
-                <a:cs typeface="Courier New" panose="02070309020205020404" pitchFamily="49" charset="0"/>
-              </a:rPr>
-              <a:t>KeyCode.</a:t>
-            </a:r>
-            <a:r>
-              <a:rPr lang="en-US" sz="2000" dirty="0" err="1" smtClean="0"/>
-              <a:t>UpArrow</a:t>
-            </a:r>
-            <a:r>
-              <a:rPr lang="en-US" sz="2000" dirty="0" smtClean="0">
-                <a:cs typeface="Courier New" panose="02070309020205020404" pitchFamily="49" charset="0"/>
-              </a:rPr>
-              <a:t> </a:t>
-            </a:r>
-            <a:r>
-              <a:rPr lang="en-US" sz="2000" dirty="0">
-                <a:cs typeface="Courier New" panose="02070309020205020404" pitchFamily="49" charset="0"/>
-              </a:rPr>
-              <a:t>	</a:t>
-            </a:r>
-            <a:r>
-              <a:rPr lang="en-US" sz="2000" dirty="0" err="1" smtClean="0">
-                <a:cs typeface="Courier New" panose="02070309020205020404" pitchFamily="49" charset="0"/>
-              </a:rPr>
-              <a:t>KeyCode.At</a:t>
-            </a:r>
-            <a:r>
-              <a:rPr lang="en-US" sz="2000" dirty="0" smtClean="0">
-                <a:cs typeface="Courier New" panose="02070309020205020404" pitchFamily="49" charset="0"/>
-              </a:rPr>
-              <a:t> </a:t>
-            </a:r>
-          </a:p>
-          <a:p>
-            <a:pPr marL="0" lvl="0" indent="0">
-              <a:buNone/>
-            </a:pPr>
-            <a:r>
-              <a:rPr lang="en-US" sz="2000" dirty="0">
-                <a:cs typeface="Courier New" panose="02070309020205020404" pitchFamily="49" charset="0"/>
-              </a:rPr>
-              <a:t>	</a:t>
-            </a:r>
-            <a:r>
-              <a:rPr lang="en-US" sz="2000" dirty="0" smtClean="0">
-                <a:cs typeface="Courier New" panose="02070309020205020404" pitchFamily="49" charset="0"/>
-              </a:rPr>
-              <a:t>	</a:t>
-            </a:r>
-            <a:r>
-              <a:rPr lang="en-US" sz="2000" dirty="0" err="1" smtClean="0">
-                <a:cs typeface="Courier New" panose="02070309020205020404" pitchFamily="49" charset="0"/>
-              </a:rPr>
-              <a:t>KeyCode.</a:t>
-            </a:r>
-            <a:r>
-              <a:rPr lang="en-US" sz="2000" dirty="0" err="1" smtClean="0"/>
-              <a:t>Escape</a:t>
-            </a:r>
-            <a:r>
-              <a:rPr lang="en-US" sz="2000" dirty="0">
-                <a:cs typeface="Courier New" panose="02070309020205020404" pitchFamily="49" charset="0"/>
-              </a:rPr>
-              <a:t>	</a:t>
-            </a:r>
-            <a:r>
-              <a:rPr lang="en-US" sz="2000" dirty="0" smtClean="0">
-                <a:cs typeface="Courier New" panose="02070309020205020404" pitchFamily="49" charset="0"/>
-              </a:rPr>
-              <a:t>	KeyCode.</a:t>
-            </a:r>
-            <a:r>
-              <a:rPr lang="en-US" sz="2000" dirty="0" smtClean="0"/>
-              <a:t>Keypad5</a:t>
-            </a:r>
-            <a:r>
-              <a:rPr lang="en-US" sz="2000" dirty="0" smtClean="0">
-                <a:cs typeface="Courier New" panose="02070309020205020404" pitchFamily="49" charset="0"/>
-              </a:rPr>
-              <a:t>	</a:t>
-            </a:r>
-            <a:r>
-              <a:rPr lang="en-US" sz="2000" dirty="0" err="1" smtClean="0">
-                <a:cs typeface="Courier New" panose="02070309020205020404" pitchFamily="49" charset="0"/>
-              </a:rPr>
-              <a:t>KeyCode.</a:t>
-            </a:r>
-            <a:r>
-              <a:rPr lang="en-US" sz="2000" dirty="0" err="1" smtClean="0"/>
-              <a:t>LeftAlt</a:t>
-            </a:r>
-            <a:r>
-              <a:rPr lang="en-US" sz="2000" dirty="0" smtClean="0">
-                <a:cs typeface="Courier New" panose="02070309020205020404" pitchFamily="49" charset="0"/>
-              </a:rPr>
-              <a:t> </a:t>
-            </a:r>
-            <a:r>
-              <a:rPr lang="en-US" sz="2000" dirty="0">
-                <a:cs typeface="Courier New" panose="02070309020205020404" pitchFamily="49" charset="0"/>
-              </a:rPr>
-              <a:t>		</a:t>
-            </a:r>
-            <a:endParaRPr lang="en-US" sz="2000" dirty="0" smtClean="0">
+              <a:latin typeface="Courier New" panose="02070309020205020404" pitchFamily="49" charset="0"/>
               <a:cs typeface="Courier New" panose="02070309020205020404" pitchFamily="49" charset="0"/>
             </a:endParaRPr>
           </a:p>
@@ -11828,20 +12013,13 @@
     </p:spTree>
     <p:extLst>
       <p:ext uri="{BB962C8B-B14F-4D97-AF65-F5344CB8AC3E}">
-        <p14:creationId xmlns:p14="http://schemas.microsoft.com/office/powerpoint/2010/main" val="1770530138"/>
+        <p14:creationId xmlns:p14="http://schemas.microsoft.com/office/powerpoint/2010/main" val="2166282420"/>
       </p:ext>
     </p:extLst>
   </p:cSld>
   <p:clrMapOvr>
     <a:masterClrMapping/>
   </p:clrMapOvr>
-  <p:timing>
-    <p:tnLst>
-      <p:par>
-        <p:cTn id="1" dur="indefinite" restart="never" nodeType="tmRoot"/>
-      </p:par>
-    </p:tnLst>
-  </p:timing>
 </p:sld>
 </file>
 
@@ -11891,8 +12069,12 @@
               <a:buSzPct val="25000"/>
             </a:pPr>
             <a:r>
-              <a:rPr lang="en-US" dirty="0" smtClean="0"/>
-              <a:t>Mouse Input</a:t>
+              <a:rPr lang="en-US" dirty="0" err="1"/>
+              <a:t>KeyCode</a:t>
+            </a:r>
+            <a:r>
+              <a:rPr lang="en-US" dirty="0"/>
+              <a:t> Class</a:t>
             </a:r>
             <a:endParaRPr lang="en-US" sz="4400" b="0" i="0" u="none" strike="noStrike" cap="none" dirty="0">
               <a:solidFill>
@@ -11933,260 +12115,177 @@
           <a:p>
             <a:pPr lvl="0" indent="-457200"/>
             <a:r>
-              <a:rPr lang="en-US" sz="2000" dirty="0" smtClean="0">
-                <a:latin typeface="Courier New" panose="02070309020205020404" pitchFamily="49" charset="0"/>
+              <a:rPr lang="en-US" sz="2000" dirty="0" err="1">
                 <a:cs typeface="Courier New" panose="02070309020205020404" pitchFamily="49" charset="0"/>
               </a:rPr>
-              <a:t>bool result </a:t>
+              <a:t>KeyCode</a:t>
             </a:r>
             <a:r>
               <a:rPr lang="en-US" sz="2000" dirty="0">
-                <a:latin typeface="Courier New" panose="02070309020205020404" pitchFamily="49" charset="0"/>
                 <a:cs typeface="Courier New" panose="02070309020205020404" pitchFamily="49" charset="0"/>
               </a:rPr>
-              <a:t>= </a:t>
-            </a:r>
-            <a:endParaRPr lang="en-US" sz="2000" dirty="0" smtClean="0">
-              <a:latin typeface="Courier New" panose="02070309020205020404" pitchFamily="49" charset="0"/>
+              <a:t> is a predefine class built for you to reference all of the keys on a keyboard easily. </a:t>
+            </a:r>
+          </a:p>
+          <a:p>
+            <a:pPr lvl="0" indent="-457200"/>
+            <a:r>
+              <a:rPr lang="en-US" sz="2000" dirty="0">
+                <a:cs typeface="Courier New" panose="02070309020205020404" pitchFamily="49" charset="0"/>
+              </a:rPr>
+              <a:t>A standard keyboard has over 100 different keys on it. </a:t>
+            </a:r>
+          </a:p>
+          <a:p>
+            <a:pPr lvl="0" indent="-457200"/>
+            <a:endParaRPr lang="en-US" sz="2000" dirty="0">
               <a:cs typeface="Courier New" panose="02070309020205020404" pitchFamily="49" charset="0"/>
             </a:endParaRPr>
           </a:p>
           <a:p>
+            <a:pPr lvl="0" indent="-457200"/>
+            <a:r>
+              <a:rPr lang="en-US" sz="2000" dirty="0">
+                <a:cs typeface="Courier New" panose="02070309020205020404" pitchFamily="49" charset="0"/>
+              </a:rPr>
+              <a:t>Examples:</a:t>
+            </a:r>
+          </a:p>
+          <a:p>
             <a:pPr marL="0" lvl="0" indent="0">
               <a:buNone/>
             </a:pPr>
             <a:r>
-              <a:rPr lang="en-US" sz="2000" dirty="0" smtClean="0">
-                <a:latin typeface="Courier New" panose="02070309020205020404" pitchFamily="49" charset="0"/>
+              <a:rPr lang="en-US" sz="2000" dirty="0">
                 <a:cs typeface="Courier New" panose="02070309020205020404" pitchFamily="49" charset="0"/>
               </a:rPr>
               <a:t>		</a:t>
             </a:r>
             <a:r>
-              <a:rPr lang="en-US" sz="2000" b="1" dirty="0" err="1" smtClean="0">
-                <a:latin typeface="Courier New" panose="02070309020205020404" pitchFamily="49" charset="0"/>
+              <a:rPr lang="en-US" sz="2000" dirty="0" err="1">
                 <a:cs typeface="Courier New" panose="02070309020205020404" pitchFamily="49" charset="0"/>
               </a:rPr>
-              <a:t>Input.GetMouseButton</a:t>
-            </a:r>
-            <a:r>
-              <a:rPr lang="en-US" sz="2000" b="1" dirty="0" smtClean="0">
-                <a:latin typeface="Courier New" panose="02070309020205020404" pitchFamily="49" charset="0"/>
+              <a:t>KeyCode.A</a:t>
+            </a:r>
+            <a:r>
+              <a:rPr lang="en-US" sz="2000" dirty="0">
                 <a:cs typeface="Courier New" panose="02070309020205020404" pitchFamily="49" charset="0"/>
               </a:rPr>
-              <a:t>(</a:t>
-            </a:r>
-            <a:r>
-              <a:rPr lang="en-US" sz="2000" b="1" dirty="0" err="1" smtClean="0">
-                <a:latin typeface="Courier New" panose="02070309020205020404" pitchFamily="49" charset="0"/>
+              <a:t> 			</a:t>
+            </a:r>
+            <a:r>
+              <a:rPr lang="en-US" sz="2000" dirty="0" err="1">
                 <a:cs typeface="Courier New" panose="02070309020205020404" pitchFamily="49" charset="0"/>
               </a:rPr>
-              <a:t>int</a:t>
-            </a:r>
-            <a:r>
-              <a:rPr lang="en-US" sz="2000" b="1" dirty="0" smtClean="0">
-                <a:latin typeface="Courier New" panose="02070309020205020404" pitchFamily="49" charset="0"/>
+              <a:t>KeyCode.Z</a:t>
+            </a:r>
+            <a:r>
+              <a:rPr lang="en-US" sz="2000" dirty="0">
                 <a:cs typeface="Courier New" panose="02070309020205020404" pitchFamily="49" charset="0"/>
               </a:rPr>
-              <a:t> button);</a:t>
-            </a:r>
-          </a:p>
-          <a:p>
-            <a:pPr lvl="0" indent="-457200"/>
-            <a:r>
-              <a:rPr lang="en-US" sz="2000" dirty="0" smtClean="0">
-                <a:latin typeface="Courier New" panose="02070309020205020404" pitchFamily="49" charset="0"/>
+              <a:t> 			KeyCode.F1 </a:t>
+            </a:r>
+          </a:p>
+          <a:p>
+            <a:pPr marL="0" lvl="0" indent="0">
+              <a:buNone/>
+            </a:pPr>
+            <a:r>
+              <a:rPr lang="en-US" sz="2000" dirty="0">
                 <a:cs typeface="Courier New" panose="02070309020205020404" pitchFamily="49" charset="0"/>
               </a:rPr>
-              <a:t>bool result = </a:t>
-            </a:r>
-          </a:p>
-          <a:p>
-            <a:pPr marL="0" lvl="0" indent="0">
-              <a:buNone/>
-            </a:pPr>
-            <a:r>
-              <a:rPr lang="en-US" sz="2000" dirty="0" smtClean="0">
-                <a:latin typeface="Courier New" panose="02070309020205020404" pitchFamily="49" charset="0"/>
+              <a:t>		KeyCode.</a:t>
+            </a:r>
+            <a:r>
+              <a:rPr lang="en-US" sz="2000" dirty="0"/>
+              <a:t>Alpha2 </a:t>
+            </a:r>
+            <a:r>
+              <a:rPr lang="en-US" sz="2000" dirty="0">
                 <a:cs typeface="Courier New" panose="02070309020205020404" pitchFamily="49" charset="0"/>
               </a:rPr>
               <a:t>		</a:t>
             </a:r>
             <a:r>
-              <a:rPr lang="en-US" sz="2000" b="1" dirty="0" err="1">
-                <a:latin typeface="Courier New" panose="02070309020205020404" pitchFamily="49" charset="0"/>
+              <a:rPr lang="en-US" sz="2000" dirty="0" err="1">
                 <a:cs typeface="Courier New" panose="02070309020205020404" pitchFamily="49" charset="0"/>
               </a:rPr>
-              <a:t>Input.GetMouseButtonDown</a:t>
-            </a:r>
-            <a:r>
-              <a:rPr lang="en-US" sz="2000" b="1" dirty="0">
-                <a:latin typeface="Courier New" panose="02070309020205020404" pitchFamily="49" charset="0"/>
+              <a:t>KeyCode.</a:t>
+            </a:r>
+            <a:r>
+              <a:rPr lang="en-US" sz="2000" dirty="0" err="1"/>
+              <a:t>UpArrow</a:t>
+            </a:r>
+            <a:r>
+              <a:rPr lang="en-US" sz="2000" dirty="0">
                 <a:cs typeface="Courier New" panose="02070309020205020404" pitchFamily="49" charset="0"/>
               </a:rPr>
-              <a:t>(</a:t>
-            </a:r>
-            <a:r>
-              <a:rPr lang="en-US" sz="2000" b="1" dirty="0" err="1">
-                <a:latin typeface="Courier New" panose="02070309020205020404" pitchFamily="49" charset="0"/>
+              <a:t> 	</a:t>
+            </a:r>
+            <a:r>
+              <a:rPr lang="en-US" sz="2000" dirty="0" err="1">
                 <a:cs typeface="Courier New" panose="02070309020205020404" pitchFamily="49" charset="0"/>
               </a:rPr>
-              <a:t>int</a:t>
-            </a:r>
-            <a:r>
-              <a:rPr lang="en-US" sz="2000" b="1" dirty="0">
-                <a:latin typeface="Courier New" panose="02070309020205020404" pitchFamily="49" charset="0"/>
+              <a:t>KeyCode.At</a:t>
+            </a:r>
+            <a:r>
+              <a:rPr lang="en-US" sz="2000" dirty="0">
                 <a:cs typeface="Courier New" panose="02070309020205020404" pitchFamily="49" charset="0"/>
               </a:rPr>
-              <a:t> button);</a:t>
-            </a:r>
-            <a:endParaRPr lang="en-US" sz="2000" b="1" dirty="0" smtClean="0">
-              <a:latin typeface="Courier New" panose="02070309020205020404" pitchFamily="49" charset="0"/>
-              <a:cs typeface="Courier New" panose="02070309020205020404" pitchFamily="49" charset="0"/>
-            </a:endParaRPr>
-          </a:p>
-          <a:p>
-            <a:pPr indent="-457200"/>
-            <a:r>
-              <a:rPr lang="en-US" sz="2000" dirty="0" smtClean="0">
-                <a:latin typeface="Courier New" panose="02070309020205020404" pitchFamily="49" charset="0"/>
-                <a:cs typeface="Courier New" panose="02070309020205020404" pitchFamily="49" charset="0"/>
-              </a:rPr>
-              <a:t>bool </a:t>
-            </a:r>
+              <a:t> </a:t>
+            </a:r>
+          </a:p>
+          <a:p>
+            <a:pPr marL="0" lvl="0" indent="0">
+              <a:buNone/>
+            </a:pPr>
             <a:r>
               <a:rPr lang="en-US" sz="2000" dirty="0">
-                <a:latin typeface="Courier New" panose="02070309020205020404" pitchFamily="49" charset="0"/>
-                <a:cs typeface="Courier New" panose="02070309020205020404" pitchFamily="49" charset="0"/>
-              </a:rPr>
-              <a:t>result = </a:t>
-            </a:r>
-            <a:endParaRPr lang="en-US" sz="2000" dirty="0" smtClean="0">
-              <a:latin typeface="Courier New" panose="02070309020205020404" pitchFamily="49" charset="0"/>
-              <a:cs typeface="Courier New" panose="02070309020205020404" pitchFamily="49" charset="0"/>
-            </a:endParaRPr>
-          </a:p>
-          <a:p>
-            <a:pPr marL="0" indent="0">
-              <a:buNone/>
-            </a:pPr>
-            <a:r>
-              <a:rPr lang="en-US" sz="2000" dirty="0" smtClean="0">
-                <a:latin typeface="Courier New" panose="02070309020205020404" pitchFamily="49" charset="0"/>
                 <a:cs typeface="Courier New" panose="02070309020205020404" pitchFamily="49" charset="0"/>
               </a:rPr>
               <a:t>		</a:t>
             </a:r>
             <a:r>
-              <a:rPr lang="en-US" sz="2000" b="1" dirty="0" err="1" smtClean="0">
-                <a:latin typeface="Courier New" panose="02070309020205020404" pitchFamily="49" charset="0"/>
+              <a:rPr lang="en-US" sz="2000" dirty="0" err="1">
                 <a:cs typeface="Courier New" panose="02070309020205020404" pitchFamily="49" charset="0"/>
               </a:rPr>
-              <a:t>Input.GetMouseButtonUp</a:t>
-            </a:r>
-            <a:r>
-              <a:rPr lang="en-US" sz="2000" b="1" dirty="0" smtClean="0">
-                <a:latin typeface="Courier New" panose="02070309020205020404" pitchFamily="49" charset="0"/>
+              <a:t>KeyCode.</a:t>
+            </a:r>
+            <a:r>
+              <a:rPr lang="en-US" sz="2000" dirty="0" err="1"/>
+              <a:t>Escape</a:t>
+            </a:r>
+            <a:r>
+              <a:rPr lang="en-US" sz="2000" dirty="0">
                 <a:cs typeface="Courier New" panose="02070309020205020404" pitchFamily="49" charset="0"/>
               </a:rPr>
-              <a:t>(</a:t>
-            </a:r>
-            <a:r>
-              <a:rPr lang="en-US" sz="2000" b="1" dirty="0" err="1" smtClean="0">
-                <a:latin typeface="Courier New" panose="02070309020205020404" pitchFamily="49" charset="0"/>
+              <a:t>		KeyCode.</a:t>
+            </a:r>
+            <a:r>
+              <a:rPr lang="en-US" sz="2000" dirty="0"/>
+              <a:t>Keypad5</a:t>
+            </a:r>
+            <a:r>
+              <a:rPr lang="en-US" sz="2000" dirty="0">
                 <a:cs typeface="Courier New" panose="02070309020205020404" pitchFamily="49" charset="0"/>
               </a:rPr>
-              <a:t>int</a:t>
-            </a:r>
-            <a:r>
-              <a:rPr lang="en-US" sz="2000" b="1" dirty="0" smtClean="0">
-                <a:latin typeface="Courier New" panose="02070309020205020404" pitchFamily="49" charset="0"/>
+              <a:t>	</a:t>
+            </a:r>
+            <a:r>
+              <a:rPr lang="en-US" sz="2000" dirty="0" err="1">
                 <a:cs typeface="Courier New" panose="02070309020205020404" pitchFamily="49" charset="0"/>
               </a:rPr>
-              <a:t> </a:t>
-            </a:r>
-            <a:r>
-              <a:rPr lang="en-US" sz="2000" b="1" dirty="0">
-                <a:latin typeface="Courier New" panose="02070309020205020404" pitchFamily="49" charset="0"/>
+              <a:t>KeyCode.</a:t>
+            </a:r>
+            <a:r>
+              <a:rPr lang="en-US" sz="2000" dirty="0" err="1"/>
+              <a:t>LeftAlt</a:t>
+            </a:r>
+            <a:r>
+              <a:rPr lang="en-US" sz="2000" dirty="0">
                 <a:cs typeface="Courier New" panose="02070309020205020404" pitchFamily="49" charset="0"/>
               </a:rPr>
-              <a:t>button);</a:t>
-            </a:r>
-          </a:p>
-          <a:p>
-            <a:pPr lvl="0" indent="-457200"/>
-            <a:r>
-              <a:rPr lang="en-US" sz="2000" dirty="0" smtClean="0">
-                <a:latin typeface="Courier New" panose="02070309020205020404" pitchFamily="49" charset="0"/>
-                <a:cs typeface="Courier New" panose="02070309020205020404" pitchFamily="49" charset="0"/>
-              </a:rPr>
-              <a:t>Vector3 </a:t>
-            </a:r>
-            <a:r>
-              <a:rPr lang="en-US" sz="2000" dirty="0" err="1" smtClean="0">
-                <a:latin typeface="Courier New" panose="02070309020205020404" pitchFamily="49" charset="0"/>
-                <a:cs typeface="Courier New" panose="02070309020205020404" pitchFamily="49" charset="0"/>
-              </a:rPr>
-              <a:t>mLoc</a:t>
-            </a:r>
-            <a:r>
-              <a:rPr lang="en-US" sz="2000" dirty="0" smtClean="0">
-                <a:latin typeface="Courier New" panose="02070309020205020404" pitchFamily="49" charset="0"/>
-                <a:cs typeface="Courier New" panose="02070309020205020404" pitchFamily="49" charset="0"/>
-              </a:rPr>
-              <a:t> = </a:t>
-            </a:r>
-            <a:r>
-              <a:rPr lang="en-US" sz="2000" b="1" dirty="0" err="1" smtClean="0">
-                <a:latin typeface="Courier New" panose="02070309020205020404" pitchFamily="49" charset="0"/>
-                <a:cs typeface="Courier New" panose="02070309020205020404" pitchFamily="49" charset="0"/>
-              </a:rPr>
-              <a:t>Input.mousePosition</a:t>
-            </a:r>
-            <a:r>
-              <a:rPr lang="en-US" sz="2000" b="1" dirty="0" smtClean="0">
-                <a:latin typeface="Courier New" panose="02070309020205020404" pitchFamily="49" charset="0"/>
-                <a:cs typeface="Courier New" panose="02070309020205020404" pitchFamily="49" charset="0"/>
-              </a:rPr>
-              <a:t>; </a:t>
-            </a:r>
-          </a:p>
-          <a:p>
-            <a:pPr lvl="0" indent="-457200"/>
-            <a:r>
-              <a:rPr lang="en-US" sz="2000" dirty="0" smtClean="0">
-                <a:latin typeface="Courier New" panose="02070309020205020404" pitchFamily="49" charset="0"/>
-                <a:cs typeface="Courier New" panose="02070309020205020404" pitchFamily="49" charset="0"/>
-              </a:rPr>
-              <a:t>Vector2 </a:t>
-            </a:r>
-            <a:r>
-              <a:rPr lang="en-US" sz="2000" dirty="0" err="1" smtClean="0">
-                <a:latin typeface="Courier New" panose="02070309020205020404" pitchFamily="49" charset="0"/>
-                <a:cs typeface="Courier New" panose="02070309020205020404" pitchFamily="49" charset="0"/>
-              </a:rPr>
-              <a:t>mSWD</a:t>
-            </a:r>
-            <a:r>
-              <a:rPr lang="en-US" sz="2000" dirty="0" smtClean="0">
-                <a:latin typeface="Courier New" panose="02070309020205020404" pitchFamily="49" charset="0"/>
-                <a:cs typeface="Courier New" panose="02070309020205020404" pitchFamily="49" charset="0"/>
-              </a:rPr>
-              <a:t> = </a:t>
-            </a:r>
-            <a:r>
-              <a:rPr lang="en-US" sz="2000" b="1" dirty="0" err="1" smtClean="0">
-                <a:latin typeface="Courier New" panose="02070309020205020404" pitchFamily="49" charset="0"/>
-                <a:cs typeface="Courier New" panose="02070309020205020404" pitchFamily="49" charset="0"/>
-              </a:rPr>
-              <a:t>Input.mouseScrollDelta</a:t>
-            </a:r>
-            <a:r>
-              <a:rPr lang="en-US" sz="2000" b="1" dirty="0" smtClean="0">
-                <a:latin typeface="Courier New" panose="02070309020205020404" pitchFamily="49" charset="0"/>
-                <a:cs typeface="Courier New" panose="02070309020205020404" pitchFamily="49" charset="0"/>
-              </a:rPr>
-              <a:t>;</a:t>
+              <a:t> 		</a:t>
             </a:r>
           </a:p>
         </p:txBody>
@@ -12242,20 +12341,13 @@
     </p:spTree>
     <p:extLst>
       <p:ext uri="{BB962C8B-B14F-4D97-AF65-F5344CB8AC3E}">
-        <p14:creationId xmlns:p14="http://schemas.microsoft.com/office/powerpoint/2010/main" val="2709530757"/>
+        <p14:creationId xmlns:p14="http://schemas.microsoft.com/office/powerpoint/2010/main" val="1770530138"/>
       </p:ext>
     </p:extLst>
   </p:cSld>
   <p:clrMapOvr>
     <a:masterClrMapping/>
   </p:clrMapOvr>
-  <p:timing>
-    <p:tnLst>
-      <p:par>
-        <p:cTn id="1" dur="indefinite" restart="never" nodeType="tmRoot"/>
-      </p:par>
-    </p:tnLst>
-  </p:timing>
 </p:sld>
 </file>
 
@@ -12305,7 +12397,381 @@
               <a:buSzPct val="25000"/>
             </a:pPr>
             <a:r>
-              <a:rPr lang="en-US" dirty="0" smtClean="0"/>
+              <a:rPr lang="en-US" dirty="0"/>
+              <a:t>Mouse Input</a:t>
+            </a:r>
+            <a:endParaRPr lang="en-US" sz="4400" b="0" i="0" u="none" strike="noStrike" cap="none" dirty="0">
+              <a:solidFill>
+                <a:schemeClr val="dk1"/>
+              </a:solidFill>
+              <a:latin typeface="Calibri"/>
+              <a:ea typeface="Calibri"/>
+              <a:cs typeface="Calibri"/>
+              <a:sym typeface="Calibri"/>
+            </a:endParaRPr>
+          </a:p>
+        </p:txBody>
+      </p:sp>
+      <p:sp>
+        <p:nvSpPr>
+          <p:cNvPr id="130" name="Shape 130"/>
+          <p:cNvSpPr txBox="1">
+            <a:spLocks noGrp="1"/>
+          </p:cNvSpPr>
+          <p:nvPr>
+            <p:ph type="body" idx="1"/>
+          </p:nvPr>
+        </p:nvSpPr>
+        <p:spPr>
+          <a:prstGeom prst="rect">
+            <a:avLst/>
+          </a:prstGeom>
+          <a:noFill/>
+          <a:ln>
+            <a:noFill/>
+          </a:ln>
+        </p:spPr>
+        <p:txBody>
+          <a:bodyPr lIns="91425" tIns="45700" rIns="91425" bIns="45700" anchor="t" anchorCtr="0">
+            <a:noAutofit/>
+          </a:bodyPr>
+          <a:lstStyle/>
+          <a:p>
+            <a:pPr lvl="0" indent="-457200"/>
+            <a:r>
+              <a:rPr lang="en-US" sz="2000" dirty="0">
+                <a:latin typeface="Courier New" panose="02070309020205020404" pitchFamily="49" charset="0"/>
+                <a:cs typeface="Courier New" panose="02070309020205020404" pitchFamily="49" charset="0"/>
+              </a:rPr>
+              <a:t>bool result = </a:t>
+            </a:r>
+          </a:p>
+          <a:p>
+            <a:pPr marL="0" lvl="0" indent="0">
+              <a:buNone/>
+            </a:pPr>
+            <a:r>
+              <a:rPr lang="en-US" sz="2000" dirty="0">
+                <a:latin typeface="Courier New" panose="02070309020205020404" pitchFamily="49" charset="0"/>
+                <a:cs typeface="Courier New" panose="02070309020205020404" pitchFamily="49" charset="0"/>
+              </a:rPr>
+              <a:t>		</a:t>
+            </a:r>
+            <a:r>
+              <a:rPr lang="en-US" sz="2000" b="1" dirty="0" err="1">
+                <a:latin typeface="Courier New" panose="02070309020205020404" pitchFamily="49" charset="0"/>
+                <a:cs typeface="Courier New" panose="02070309020205020404" pitchFamily="49" charset="0"/>
+              </a:rPr>
+              <a:t>Input.GetMouseButton</a:t>
+            </a:r>
+            <a:r>
+              <a:rPr lang="en-US" sz="2000" b="1" dirty="0">
+                <a:latin typeface="Courier New" panose="02070309020205020404" pitchFamily="49" charset="0"/>
+                <a:cs typeface="Courier New" panose="02070309020205020404" pitchFamily="49" charset="0"/>
+              </a:rPr>
+              <a:t>(</a:t>
+            </a:r>
+            <a:r>
+              <a:rPr lang="en-US" sz="2000" b="1" dirty="0" err="1">
+                <a:latin typeface="Courier New" panose="02070309020205020404" pitchFamily="49" charset="0"/>
+                <a:cs typeface="Courier New" panose="02070309020205020404" pitchFamily="49" charset="0"/>
+              </a:rPr>
+              <a:t>int</a:t>
+            </a:r>
+            <a:r>
+              <a:rPr lang="en-US" sz="2000" b="1" dirty="0">
+                <a:latin typeface="Courier New" panose="02070309020205020404" pitchFamily="49" charset="0"/>
+                <a:cs typeface="Courier New" panose="02070309020205020404" pitchFamily="49" charset="0"/>
+              </a:rPr>
+              <a:t> button);</a:t>
+            </a:r>
+          </a:p>
+          <a:p>
+            <a:pPr lvl="0" indent="-457200"/>
+            <a:r>
+              <a:rPr lang="en-US" sz="2000" dirty="0">
+                <a:latin typeface="Courier New" panose="02070309020205020404" pitchFamily="49" charset="0"/>
+                <a:cs typeface="Courier New" panose="02070309020205020404" pitchFamily="49" charset="0"/>
+              </a:rPr>
+              <a:t>bool result = </a:t>
+            </a:r>
+          </a:p>
+          <a:p>
+            <a:pPr marL="0" lvl="0" indent="0">
+              <a:buNone/>
+            </a:pPr>
+            <a:r>
+              <a:rPr lang="en-US" sz="2000" dirty="0">
+                <a:latin typeface="Courier New" panose="02070309020205020404" pitchFamily="49" charset="0"/>
+                <a:cs typeface="Courier New" panose="02070309020205020404" pitchFamily="49" charset="0"/>
+              </a:rPr>
+              <a:t>		</a:t>
+            </a:r>
+            <a:r>
+              <a:rPr lang="en-US" sz="2000" b="1" dirty="0" err="1">
+                <a:latin typeface="Courier New" panose="02070309020205020404" pitchFamily="49" charset="0"/>
+                <a:cs typeface="Courier New" panose="02070309020205020404" pitchFamily="49" charset="0"/>
+              </a:rPr>
+              <a:t>Input.GetMouseButtonDown</a:t>
+            </a:r>
+            <a:r>
+              <a:rPr lang="en-US" sz="2000" b="1" dirty="0">
+                <a:latin typeface="Courier New" panose="02070309020205020404" pitchFamily="49" charset="0"/>
+                <a:cs typeface="Courier New" panose="02070309020205020404" pitchFamily="49" charset="0"/>
+              </a:rPr>
+              <a:t>(</a:t>
+            </a:r>
+            <a:r>
+              <a:rPr lang="en-US" sz="2000" b="1" dirty="0" err="1">
+                <a:latin typeface="Courier New" panose="02070309020205020404" pitchFamily="49" charset="0"/>
+                <a:cs typeface="Courier New" panose="02070309020205020404" pitchFamily="49" charset="0"/>
+              </a:rPr>
+              <a:t>int</a:t>
+            </a:r>
+            <a:r>
+              <a:rPr lang="en-US" sz="2000" b="1" dirty="0">
+                <a:latin typeface="Courier New" panose="02070309020205020404" pitchFamily="49" charset="0"/>
+                <a:cs typeface="Courier New" panose="02070309020205020404" pitchFamily="49" charset="0"/>
+              </a:rPr>
+              <a:t> button);</a:t>
+            </a:r>
+          </a:p>
+          <a:p>
+            <a:pPr indent="-457200"/>
+            <a:r>
+              <a:rPr lang="en-US" sz="2000" dirty="0">
+                <a:latin typeface="Courier New" panose="02070309020205020404" pitchFamily="49" charset="0"/>
+                <a:cs typeface="Courier New" panose="02070309020205020404" pitchFamily="49" charset="0"/>
+              </a:rPr>
+              <a:t>bool result = </a:t>
+            </a:r>
+          </a:p>
+          <a:p>
+            <a:pPr marL="0" indent="0">
+              <a:buNone/>
+            </a:pPr>
+            <a:r>
+              <a:rPr lang="en-US" sz="2000" dirty="0">
+                <a:latin typeface="Courier New" panose="02070309020205020404" pitchFamily="49" charset="0"/>
+                <a:cs typeface="Courier New" panose="02070309020205020404" pitchFamily="49" charset="0"/>
+              </a:rPr>
+              <a:t>		</a:t>
+            </a:r>
+            <a:r>
+              <a:rPr lang="en-US" sz="2000" b="1" dirty="0" err="1">
+                <a:latin typeface="Courier New" panose="02070309020205020404" pitchFamily="49" charset="0"/>
+                <a:cs typeface="Courier New" panose="02070309020205020404" pitchFamily="49" charset="0"/>
+              </a:rPr>
+              <a:t>Input.GetMouseButtonUp</a:t>
+            </a:r>
+            <a:r>
+              <a:rPr lang="en-US" sz="2000" b="1" dirty="0">
+                <a:latin typeface="Courier New" panose="02070309020205020404" pitchFamily="49" charset="0"/>
+                <a:cs typeface="Courier New" panose="02070309020205020404" pitchFamily="49" charset="0"/>
+              </a:rPr>
+              <a:t>(</a:t>
+            </a:r>
+            <a:r>
+              <a:rPr lang="en-US" sz="2000" b="1" dirty="0" err="1">
+                <a:latin typeface="Courier New" panose="02070309020205020404" pitchFamily="49" charset="0"/>
+                <a:cs typeface="Courier New" panose="02070309020205020404" pitchFamily="49" charset="0"/>
+              </a:rPr>
+              <a:t>int</a:t>
+            </a:r>
+            <a:r>
+              <a:rPr lang="en-US" sz="2000" b="1" dirty="0">
+                <a:latin typeface="Courier New" panose="02070309020205020404" pitchFamily="49" charset="0"/>
+                <a:cs typeface="Courier New" panose="02070309020205020404" pitchFamily="49" charset="0"/>
+              </a:rPr>
+              <a:t> button);</a:t>
+            </a:r>
+          </a:p>
+          <a:p>
+            <a:pPr lvl="0" indent="-457200"/>
+            <a:r>
+              <a:rPr lang="en-US" sz="2000">
+                <a:latin typeface="Courier New" panose="02070309020205020404" pitchFamily="49" charset="0"/>
+                <a:cs typeface="Courier New" panose="02070309020205020404" pitchFamily="49" charset="0"/>
+              </a:rPr>
+              <a:t>Vector2 </a:t>
+            </a:r>
+            <a:r>
+              <a:rPr lang="en-US" sz="2000" dirty="0" err="1">
+                <a:latin typeface="Courier New" panose="02070309020205020404" pitchFamily="49" charset="0"/>
+                <a:cs typeface="Courier New" panose="02070309020205020404" pitchFamily="49" charset="0"/>
+              </a:rPr>
+              <a:t>mLoc</a:t>
+            </a:r>
+            <a:r>
+              <a:rPr lang="en-US" sz="2000" dirty="0">
+                <a:latin typeface="Courier New" panose="02070309020205020404" pitchFamily="49" charset="0"/>
+                <a:cs typeface="Courier New" panose="02070309020205020404" pitchFamily="49" charset="0"/>
+              </a:rPr>
+              <a:t> = </a:t>
+            </a:r>
+            <a:r>
+              <a:rPr lang="en-US" sz="2000" b="1" dirty="0" err="1">
+                <a:latin typeface="Courier New" panose="02070309020205020404" pitchFamily="49" charset="0"/>
+                <a:cs typeface="Courier New" panose="02070309020205020404" pitchFamily="49" charset="0"/>
+              </a:rPr>
+              <a:t>Input.mousePosition</a:t>
+            </a:r>
+            <a:r>
+              <a:rPr lang="en-US" sz="2000" b="1" dirty="0">
+                <a:latin typeface="Courier New" panose="02070309020205020404" pitchFamily="49" charset="0"/>
+                <a:cs typeface="Courier New" panose="02070309020205020404" pitchFamily="49" charset="0"/>
+              </a:rPr>
+              <a:t>; </a:t>
+            </a:r>
+          </a:p>
+          <a:p>
+            <a:pPr lvl="0" indent="-457200"/>
+            <a:r>
+              <a:rPr lang="en-US" sz="2000" dirty="0">
+                <a:latin typeface="Courier New" panose="02070309020205020404" pitchFamily="49" charset="0"/>
+                <a:cs typeface="Courier New" panose="02070309020205020404" pitchFamily="49" charset="0"/>
+              </a:rPr>
+              <a:t>Vector2 </a:t>
+            </a:r>
+            <a:r>
+              <a:rPr lang="en-US" sz="2000" dirty="0" err="1">
+                <a:latin typeface="Courier New" panose="02070309020205020404" pitchFamily="49" charset="0"/>
+                <a:cs typeface="Courier New" panose="02070309020205020404" pitchFamily="49" charset="0"/>
+              </a:rPr>
+              <a:t>mSWD</a:t>
+            </a:r>
+            <a:r>
+              <a:rPr lang="en-US" sz="2000" dirty="0">
+                <a:latin typeface="Courier New" panose="02070309020205020404" pitchFamily="49" charset="0"/>
+                <a:cs typeface="Courier New" panose="02070309020205020404" pitchFamily="49" charset="0"/>
+              </a:rPr>
+              <a:t> = </a:t>
+            </a:r>
+            <a:r>
+              <a:rPr lang="en-US" sz="2000" b="1" dirty="0" err="1">
+                <a:latin typeface="Courier New" panose="02070309020205020404" pitchFamily="49" charset="0"/>
+                <a:cs typeface="Courier New" panose="02070309020205020404" pitchFamily="49" charset="0"/>
+              </a:rPr>
+              <a:t>Input.mouseScrollDelta</a:t>
+            </a:r>
+            <a:r>
+              <a:rPr lang="en-US" sz="2000" b="1" dirty="0">
+                <a:latin typeface="Courier New" panose="02070309020205020404" pitchFamily="49" charset="0"/>
+                <a:cs typeface="Courier New" panose="02070309020205020404" pitchFamily="49" charset="0"/>
+              </a:rPr>
+              <a:t>;</a:t>
+            </a:r>
+          </a:p>
+        </p:txBody>
+      </p:sp>
+      <p:sp>
+        <p:nvSpPr>
+          <p:cNvPr id="131" name="Shape 131"/>
+          <p:cNvSpPr txBox="1">
+            <a:spLocks noGrp="1"/>
+          </p:cNvSpPr>
+          <p:nvPr>
+            <p:ph type="body" idx="2"/>
+          </p:nvPr>
+        </p:nvSpPr>
+        <p:spPr>
+          <a:prstGeom prst="rect">
+            <a:avLst/>
+          </a:prstGeom>
+          <a:noFill/>
+          <a:ln>
+            <a:noFill/>
+          </a:ln>
+        </p:spPr>
+        <p:txBody>
+          <a:bodyPr lIns="91425" tIns="45700" rIns="91425" bIns="45700" anchor="t" anchorCtr="0">
+            <a:noAutofit/>
+          </a:bodyPr>
+          <a:lstStyle/>
+          <a:p>
+            <a:pPr marL="0" marR="0" lvl="0" indent="0" algn="ctr" rtl="0">
+              <a:spcBef>
+                <a:spcPts val="0"/>
+              </a:spcBef>
+              <a:buClr>
+                <a:schemeClr val="dk1"/>
+              </a:buClr>
+              <a:buSzPct val="25000"/>
+              <a:buFont typeface="Arial"/>
+              <a:buNone/>
+            </a:pPr>
+            <a:endParaRPr sz="3200" b="0" i="0" u="none" strike="noStrike" cap="none" dirty="0">
+              <a:solidFill>
+                <a:schemeClr val="dk1"/>
+              </a:solidFill>
+              <a:latin typeface="Calibri"/>
+              <a:ea typeface="Calibri"/>
+              <a:cs typeface="Calibri"/>
+              <a:sym typeface="Calibri"/>
+            </a:endParaRPr>
+          </a:p>
+        </p:txBody>
+      </p:sp>
+    </p:spTree>
+    <p:extLst>
+      <p:ext uri="{BB962C8B-B14F-4D97-AF65-F5344CB8AC3E}">
+        <p14:creationId xmlns:p14="http://schemas.microsoft.com/office/powerpoint/2010/main" val="2709530757"/>
+      </p:ext>
+    </p:extLst>
+  </p:cSld>
+  <p:clrMapOvr>
+    <a:masterClrMapping/>
+  </p:clrMapOvr>
+</p:sld>
+</file>
+
+<file path=ppt/slides/slide7.xml><?xml version="1.0" encoding="utf-8"?>
+<p:sld xmlns:a="http://schemas.openxmlformats.org/drawingml/2006/main" xmlns:r="http://schemas.openxmlformats.org/officeDocument/2006/relationships" xmlns:p="http://schemas.openxmlformats.org/presentationml/2006/main">
+  <p:cSld>
+    <p:spTree>
+      <p:nvGrpSpPr>
+        <p:cNvPr id="1" name="Shape 128"/>
+        <p:cNvGrpSpPr/>
+        <p:nvPr/>
+      </p:nvGrpSpPr>
+      <p:grpSpPr>
+        <a:xfrm>
+          <a:off x="0" y="0"/>
+          <a:ext cx="0" cy="0"/>
+          <a:chOff x="0" y="0"/>
+          <a:chExt cx="0" cy="0"/>
+        </a:xfrm>
+      </p:grpSpPr>
+      <p:sp>
+        <p:nvSpPr>
+          <p:cNvPr id="129" name="Shape 129"/>
+          <p:cNvSpPr txBox="1">
+            <a:spLocks noGrp="1"/>
+          </p:cNvSpPr>
+          <p:nvPr>
+            <p:ph type="title"/>
+          </p:nvPr>
+        </p:nvSpPr>
+        <p:spPr>
+          <a:prstGeom prst="rect">
+            <a:avLst/>
+          </a:prstGeom>
+          <a:noFill/>
+          <a:ln>
+            <a:noFill/>
+          </a:ln>
+        </p:spPr>
+        <p:txBody>
+          <a:bodyPr lIns="91425" tIns="45700" rIns="91425" bIns="45700" anchor="ctr" anchorCtr="0">
+            <a:noAutofit/>
+          </a:bodyPr>
+          <a:lstStyle/>
+          <a:p>
+            <a:pPr lvl="0">
+              <a:buSzPct val="25000"/>
+            </a:pPr>
+            <a:r>
+              <a:rPr lang="en-US" dirty="0"/>
               <a:t>Button Numbers</a:t>
             </a:r>
             <a:endParaRPr lang="en-US" sz="4400" b="0" i="0" u="none" strike="noStrike" cap="none" dirty="0">
@@ -12443,13 +12909,6 @@
   <p:clrMapOvr>
     <a:masterClrMapping/>
   </p:clrMapOvr>
-  <p:timing>
-    <p:tnLst>
-      <p:par>
-        <p:cTn id="1" dur="indefinite" restart="never" nodeType="tmRoot"/>
-      </p:par>
-    </p:tnLst>
-  </p:timing>
 </p:sld>
 </file>
 
